--- a/Subbotin_Present.pptx
+++ b/Subbotin_Present.pptx
@@ -4,23 +4,32 @@
   <p:sldMasterIdLst>
     <p:sldMasterId id="2147483648" r:id="rId1"/>
   </p:sldMasterIdLst>
+  <p:notesMasterIdLst>
+    <p:notesMasterId r:id="rId21"/>
+  </p:notesMasterIdLst>
+  <p:handoutMasterIdLst>
+    <p:handoutMasterId r:id="rId22"/>
+  </p:handoutMasterIdLst>
   <p:sldIdLst>
     <p:sldId id="256" r:id="rId2"/>
     <p:sldId id="257" r:id="rId3"/>
     <p:sldId id="258" r:id="rId4"/>
     <p:sldId id="259" r:id="rId5"/>
     <p:sldId id="260" r:id="rId6"/>
-    <p:sldId id="261" r:id="rId7"/>
-    <p:sldId id="262" r:id="rId8"/>
-    <p:sldId id="263" r:id="rId9"/>
-    <p:sldId id="267" r:id="rId10"/>
-    <p:sldId id="268" r:id="rId11"/>
-    <p:sldId id="269" r:id="rId12"/>
-    <p:sldId id="270" r:id="rId13"/>
-    <p:sldId id="264" r:id="rId14"/>
-    <p:sldId id="265" r:id="rId15"/>
-    <p:sldId id="266" r:id="rId16"/>
-    <p:sldId id="271" r:id="rId17"/>
+    <p:sldId id="273" r:id="rId7"/>
+    <p:sldId id="261" r:id="rId8"/>
+    <p:sldId id="262" r:id="rId9"/>
+    <p:sldId id="263" r:id="rId10"/>
+    <p:sldId id="267" r:id="rId11"/>
+    <p:sldId id="268" r:id="rId12"/>
+    <p:sldId id="272" r:id="rId13"/>
+    <p:sldId id="270" r:id="rId14"/>
+    <p:sldId id="269" r:id="rId15"/>
+    <p:sldId id="264" r:id="rId16"/>
+    <p:sldId id="265" r:id="rId17"/>
+    <p:sldId id="266" r:id="rId18"/>
+    <p:sldId id="274" r:id="rId19"/>
+    <p:sldId id="271" r:id="rId20"/>
   </p:sldIdLst>
   <p:sldSz cx="12192000" cy="6858000"/>
   <p:notesSz cx="6858000" cy="9144000"/>
@@ -121,7 +130,18 @@
   </p:defaultTextStyle>
   <p:extLst>
     <p:ext uri="{EFAFB233-063F-42B5-8137-9DF3F51BA10A}">
-      <p15:sldGuideLst xmlns:p15="http://schemas.microsoft.com/office/powerpoint/2012/main"/>
+      <p15:sldGuideLst xmlns:p15="http://schemas.microsoft.com/office/powerpoint/2012/main">
+        <p15:guide id="1" orient="horz" pos="2160">
+          <p15:clr>
+            <a:srgbClr val="A4A3A4"/>
+          </p15:clr>
+        </p15:guide>
+        <p15:guide id="2" pos="3840">
+          <p15:clr>
+            <a:srgbClr val="A4A3A4"/>
+          </p15:clr>
+        </p15:guide>
+      </p15:sldGuideLst>
     </p:ext>
   </p:extLst>
 </p:presentation>
@@ -130,13 +150,595 @@
 <file path=ppt/commentAuthors.xml><?xml version="1.0" encoding="utf-8"?>
 <p:cmAuthorLst xmlns:a="http://schemas.openxmlformats.org/drawingml/2006/main" xmlns:r="http://schemas.openxmlformats.org/officeDocument/2006/relationships" xmlns:p="http://schemas.openxmlformats.org/presentationml/2006/main">
   <p:cmAuthor id="1" name="Dima" initials="D" lastIdx="1" clrIdx="0">
+    <p:extLst/>
+  </p:cmAuthor>
+</p:cmAuthorLst>
+</file>
+
+<file path=ppt/handoutMasters/handoutMaster1.xml><?xml version="1.0" encoding="utf-8"?>
+<p:handoutMaster xmlns:a="http://schemas.openxmlformats.org/drawingml/2006/main" xmlns:r="http://schemas.openxmlformats.org/officeDocument/2006/relationships" xmlns:p="http://schemas.openxmlformats.org/presentationml/2006/main">
+  <p:cSld>
+    <p:bg>
+      <p:bgRef idx="1001">
+        <a:schemeClr val="bg1"/>
+      </p:bgRef>
+    </p:bg>
+    <p:spTree>
+      <p:nvGrpSpPr>
+        <p:cNvPr id="1" name=""/>
+        <p:cNvGrpSpPr/>
+        <p:nvPr/>
+      </p:nvGrpSpPr>
+      <p:grpSpPr>
+        <a:xfrm>
+          <a:off x="0" y="0"/>
+          <a:ext cx="0" cy="0"/>
+          <a:chOff x="0" y="0"/>
+          <a:chExt cx="0" cy="0"/>
+        </a:xfrm>
+      </p:grpSpPr>
+      <p:sp>
+        <p:nvSpPr>
+          <p:cNvPr id="2" name="Верхний колонтитул 1"/>
+          <p:cNvSpPr>
+            <a:spLocks noGrp="1"/>
+          </p:cNvSpPr>
+          <p:nvPr>
+            <p:ph type="hdr" sz="quarter"/>
+          </p:nvPr>
+        </p:nvSpPr>
+        <p:spPr>
+          <a:xfrm>
+            <a:off x="0" y="0"/>
+            <a:ext cx="2971800" cy="457200"/>
+          </a:xfrm>
+          <a:prstGeom prst="rect">
+            <a:avLst/>
+          </a:prstGeom>
+        </p:spPr>
+        <p:txBody>
+          <a:bodyPr vert="horz" lIns="91440" tIns="45720" rIns="91440" bIns="45720" rtlCol="0"/>
+          <a:lstStyle>
+            <a:lvl1pPr algn="l">
+              <a:defRPr sz="1200"/>
+            </a:lvl1pPr>
+          </a:lstStyle>
+          <a:p>
+            <a:endParaRPr lang="ru-RU"/>
+          </a:p>
+        </p:txBody>
+      </p:sp>
+      <p:sp>
+        <p:nvSpPr>
+          <p:cNvPr id="3" name="Дата 2"/>
+          <p:cNvSpPr>
+            <a:spLocks noGrp="1"/>
+          </p:cNvSpPr>
+          <p:nvPr>
+            <p:ph type="dt" sz="quarter" idx="1"/>
+          </p:nvPr>
+        </p:nvSpPr>
+        <p:spPr>
+          <a:xfrm>
+            <a:off x="3884613" y="0"/>
+            <a:ext cx="2971800" cy="457200"/>
+          </a:xfrm>
+          <a:prstGeom prst="rect">
+            <a:avLst/>
+          </a:prstGeom>
+        </p:spPr>
+        <p:txBody>
+          <a:bodyPr vert="horz" lIns="91440" tIns="45720" rIns="91440" bIns="45720" rtlCol="0"/>
+          <a:lstStyle>
+            <a:lvl1pPr algn="r">
+              <a:defRPr sz="1200"/>
+            </a:lvl1pPr>
+          </a:lstStyle>
+          <a:p>
+            <a:fld id="{FDF57B95-D6D0-4116-9061-09330BF7EFC1}" type="datetimeFigureOut">
+              <a:rPr lang="ru-RU" smtClean="0"/>
+              <a:t>24.06.2016</a:t>
+            </a:fld>
+            <a:endParaRPr lang="ru-RU"/>
+          </a:p>
+        </p:txBody>
+      </p:sp>
+      <p:sp>
+        <p:nvSpPr>
+          <p:cNvPr id="4" name="Нижний колонтитул 3"/>
+          <p:cNvSpPr>
+            <a:spLocks noGrp="1"/>
+          </p:cNvSpPr>
+          <p:nvPr>
+            <p:ph type="ftr" sz="quarter" idx="2"/>
+          </p:nvPr>
+        </p:nvSpPr>
+        <p:spPr>
+          <a:xfrm>
+            <a:off x="0" y="8685213"/>
+            <a:ext cx="2971800" cy="457200"/>
+          </a:xfrm>
+          <a:prstGeom prst="rect">
+            <a:avLst/>
+          </a:prstGeom>
+        </p:spPr>
+        <p:txBody>
+          <a:bodyPr vert="horz" lIns="91440" tIns="45720" rIns="91440" bIns="45720" rtlCol="0" anchor="b"/>
+          <a:lstStyle>
+            <a:lvl1pPr algn="l">
+              <a:defRPr sz="1200"/>
+            </a:lvl1pPr>
+          </a:lstStyle>
+          <a:p>
+            <a:r>
+              <a:rPr lang="ru-RU" smtClean="0"/>
+              <a:t>Слайд</a:t>
+            </a:r>
+            <a:endParaRPr lang="ru-RU"/>
+          </a:p>
+        </p:txBody>
+      </p:sp>
+      <p:sp>
+        <p:nvSpPr>
+          <p:cNvPr id="5" name="Номер слайда 4"/>
+          <p:cNvSpPr>
+            <a:spLocks noGrp="1"/>
+          </p:cNvSpPr>
+          <p:nvPr>
+            <p:ph type="sldNum" sz="quarter" idx="3"/>
+          </p:nvPr>
+        </p:nvSpPr>
+        <p:spPr>
+          <a:xfrm>
+            <a:off x="3884613" y="8685213"/>
+            <a:ext cx="2971800" cy="457200"/>
+          </a:xfrm>
+          <a:prstGeom prst="rect">
+            <a:avLst/>
+          </a:prstGeom>
+        </p:spPr>
+        <p:txBody>
+          <a:bodyPr vert="horz" lIns="91440" tIns="45720" rIns="91440" bIns="45720" rtlCol="0" anchor="b"/>
+          <a:lstStyle>
+            <a:lvl1pPr algn="r">
+              <a:defRPr sz="1200"/>
+            </a:lvl1pPr>
+          </a:lstStyle>
+          <a:p>
+            <a:fld id="{A2FB9255-1206-400D-94FD-8EB042092CD5}" type="slidenum">
+              <a:rPr lang="ru-RU" smtClean="0"/>
+              <a:t>‹#›</a:t>
+            </a:fld>
+            <a:endParaRPr lang="ru-RU"/>
+          </a:p>
+        </p:txBody>
+      </p:sp>
+    </p:spTree>
     <p:extLst>
-      <p:ext uri="{19B8F6BF-5375-455C-9EA6-DF929625EA0E}">
-        <p15:presenceInfo xmlns:p15="http://schemas.microsoft.com/office/powerpoint/2012/main" userId="Dima" providerId="None"/>
+      <p:ext uri="{BB962C8B-B14F-4D97-AF65-F5344CB8AC3E}">
+        <p14:creationId xmlns:p14="http://schemas.microsoft.com/office/powerpoint/2010/main" val="359377233"/>
       </p:ext>
     </p:extLst>
-  </p:cmAuthor>
-</p:cmAuthorLst>
+  </p:cSld>
+  <p:clrMap bg1="lt1" tx1="dk1" bg2="lt2" tx2="dk2" accent1="accent1" accent2="accent2" accent3="accent3" accent4="accent4" accent5="accent5" accent6="accent6" hlink="hlink" folHlink="folHlink"/>
+  <p:hf sldNum="0" hdr="0" ftr="0" dt="0"/>
+</p:handoutMaster>
+</file>
+
+<file path=ppt/notesMasters/notesMaster1.xml><?xml version="1.0" encoding="utf-8"?>
+<p:notesMaster xmlns:a="http://schemas.openxmlformats.org/drawingml/2006/main" xmlns:r="http://schemas.openxmlformats.org/officeDocument/2006/relationships" xmlns:p="http://schemas.openxmlformats.org/presentationml/2006/main">
+  <p:cSld>
+    <p:bg>
+      <p:bgRef idx="1001">
+        <a:schemeClr val="bg1"/>
+      </p:bgRef>
+    </p:bg>
+    <p:spTree>
+      <p:nvGrpSpPr>
+        <p:cNvPr id="1" name=""/>
+        <p:cNvGrpSpPr/>
+        <p:nvPr/>
+      </p:nvGrpSpPr>
+      <p:grpSpPr>
+        <a:xfrm>
+          <a:off x="0" y="0"/>
+          <a:ext cx="0" cy="0"/>
+          <a:chOff x="0" y="0"/>
+          <a:chExt cx="0" cy="0"/>
+        </a:xfrm>
+      </p:grpSpPr>
+      <p:sp>
+        <p:nvSpPr>
+          <p:cNvPr id="2" name="Верхний колонтитул 1"/>
+          <p:cNvSpPr>
+            <a:spLocks noGrp="1"/>
+          </p:cNvSpPr>
+          <p:nvPr>
+            <p:ph type="hdr" sz="quarter"/>
+          </p:nvPr>
+        </p:nvSpPr>
+        <p:spPr>
+          <a:xfrm>
+            <a:off x="0" y="0"/>
+            <a:ext cx="2971800" cy="457200"/>
+          </a:xfrm>
+          <a:prstGeom prst="rect">
+            <a:avLst/>
+          </a:prstGeom>
+        </p:spPr>
+        <p:txBody>
+          <a:bodyPr vert="horz" lIns="91440" tIns="45720" rIns="91440" bIns="45720" rtlCol="0"/>
+          <a:lstStyle>
+            <a:lvl1pPr algn="l">
+              <a:defRPr sz="1200"/>
+            </a:lvl1pPr>
+          </a:lstStyle>
+          <a:p>
+            <a:endParaRPr lang="ru-RU"/>
+          </a:p>
+        </p:txBody>
+      </p:sp>
+      <p:sp>
+        <p:nvSpPr>
+          <p:cNvPr id="3" name="Дата 2"/>
+          <p:cNvSpPr>
+            <a:spLocks noGrp="1"/>
+          </p:cNvSpPr>
+          <p:nvPr>
+            <p:ph type="dt" idx="1"/>
+          </p:nvPr>
+        </p:nvSpPr>
+        <p:spPr>
+          <a:xfrm>
+            <a:off x="3884613" y="0"/>
+            <a:ext cx="2971800" cy="457200"/>
+          </a:xfrm>
+          <a:prstGeom prst="rect">
+            <a:avLst/>
+          </a:prstGeom>
+        </p:spPr>
+        <p:txBody>
+          <a:bodyPr vert="horz" lIns="91440" tIns="45720" rIns="91440" bIns="45720" rtlCol="0"/>
+          <a:lstStyle>
+            <a:lvl1pPr algn="r">
+              <a:defRPr sz="1200"/>
+            </a:lvl1pPr>
+          </a:lstStyle>
+          <a:p>
+            <a:fld id="{28173D66-5765-4AF8-B8FA-41798D74A79C}" type="datetimeFigureOut">
+              <a:rPr lang="ru-RU" smtClean="0"/>
+              <a:t>24.06.2016</a:t>
+            </a:fld>
+            <a:endParaRPr lang="ru-RU"/>
+          </a:p>
+        </p:txBody>
+      </p:sp>
+      <p:sp>
+        <p:nvSpPr>
+          <p:cNvPr id="4" name="Образ слайда 3"/>
+          <p:cNvSpPr>
+            <a:spLocks noGrp="1" noRot="1" noChangeAspect="1"/>
+          </p:cNvSpPr>
+          <p:nvPr>
+            <p:ph type="sldImg" idx="2"/>
+          </p:nvPr>
+        </p:nvSpPr>
+        <p:spPr>
+          <a:xfrm>
+            <a:off x="381000" y="685800"/>
+            <a:ext cx="6096000" cy="3429000"/>
+          </a:xfrm>
+          <a:prstGeom prst="rect">
+            <a:avLst/>
+          </a:prstGeom>
+          <a:noFill/>
+          <a:ln w="12700">
+            <a:solidFill>
+              <a:prstClr val="black"/>
+            </a:solidFill>
+          </a:ln>
+        </p:spPr>
+        <p:txBody>
+          <a:bodyPr vert="horz" lIns="91440" tIns="45720" rIns="91440" bIns="45720" rtlCol="0" anchor="ctr"/>
+          <a:lstStyle/>
+          <a:p>
+            <a:endParaRPr lang="ru-RU"/>
+          </a:p>
+        </p:txBody>
+      </p:sp>
+      <p:sp>
+        <p:nvSpPr>
+          <p:cNvPr id="5" name="Заметки 4"/>
+          <p:cNvSpPr>
+            <a:spLocks noGrp="1"/>
+          </p:cNvSpPr>
+          <p:nvPr>
+            <p:ph type="body" sz="quarter" idx="3"/>
+          </p:nvPr>
+        </p:nvSpPr>
+        <p:spPr>
+          <a:xfrm>
+            <a:off x="685800" y="4343400"/>
+            <a:ext cx="5486400" cy="4114800"/>
+          </a:xfrm>
+          <a:prstGeom prst="rect">
+            <a:avLst/>
+          </a:prstGeom>
+        </p:spPr>
+        <p:txBody>
+          <a:bodyPr vert="horz" lIns="91440" tIns="45720" rIns="91440" bIns="45720" rtlCol="0"/>
+          <a:lstStyle/>
+          <a:p>
+            <a:pPr lvl="0"/>
+            <a:r>
+              <a:rPr lang="ru-RU" smtClean="0"/>
+              <a:t>Образец текста</a:t>
+            </a:r>
+          </a:p>
+          <a:p>
+            <a:pPr lvl="1"/>
+            <a:r>
+              <a:rPr lang="ru-RU" smtClean="0"/>
+              <a:t>Второй уровень</a:t>
+            </a:r>
+          </a:p>
+          <a:p>
+            <a:pPr lvl="2"/>
+            <a:r>
+              <a:rPr lang="ru-RU" smtClean="0"/>
+              <a:t>Третий уровень</a:t>
+            </a:r>
+          </a:p>
+          <a:p>
+            <a:pPr lvl="3"/>
+            <a:r>
+              <a:rPr lang="ru-RU" smtClean="0"/>
+              <a:t>Четвертый уровень</a:t>
+            </a:r>
+          </a:p>
+          <a:p>
+            <a:pPr lvl="4"/>
+            <a:r>
+              <a:rPr lang="ru-RU" smtClean="0"/>
+              <a:t>Пятый уровень</a:t>
+            </a:r>
+            <a:endParaRPr lang="ru-RU"/>
+          </a:p>
+        </p:txBody>
+      </p:sp>
+      <p:sp>
+        <p:nvSpPr>
+          <p:cNvPr id="6" name="Нижний колонтитул 5"/>
+          <p:cNvSpPr>
+            <a:spLocks noGrp="1"/>
+          </p:cNvSpPr>
+          <p:nvPr>
+            <p:ph type="ftr" sz="quarter" idx="4"/>
+          </p:nvPr>
+        </p:nvSpPr>
+        <p:spPr>
+          <a:xfrm>
+            <a:off x="0" y="8685213"/>
+            <a:ext cx="2971800" cy="457200"/>
+          </a:xfrm>
+          <a:prstGeom prst="rect">
+            <a:avLst/>
+          </a:prstGeom>
+        </p:spPr>
+        <p:txBody>
+          <a:bodyPr vert="horz" lIns="91440" tIns="45720" rIns="91440" bIns="45720" rtlCol="0" anchor="b"/>
+          <a:lstStyle>
+            <a:lvl1pPr algn="l">
+              <a:defRPr sz="1200"/>
+            </a:lvl1pPr>
+          </a:lstStyle>
+          <a:p>
+            <a:r>
+              <a:rPr lang="ru-RU" smtClean="0"/>
+              <a:t>Слайд</a:t>
+            </a:r>
+            <a:endParaRPr lang="ru-RU"/>
+          </a:p>
+        </p:txBody>
+      </p:sp>
+      <p:sp>
+        <p:nvSpPr>
+          <p:cNvPr id="7" name="Номер слайда 6"/>
+          <p:cNvSpPr>
+            <a:spLocks noGrp="1"/>
+          </p:cNvSpPr>
+          <p:nvPr>
+            <p:ph type="sldNum" sz="quarter" idx="5"/>
+          </p:nvPr>
+        </p:nvSpPr>
+        <p:spPr>
+          <a:xfrm>
+            <a:off x="3884613" y="8685213"/>
+            <a:ext cx="2971800" cy="457200"/>
+          </a:xfrm>
+          <a:prstGeom prst="rect">
+            <a:avLst/>
+          </a:prstGeom>
+        </p:spPr>
+        <p:txBody>
+          <a:bodyPr vert="horz" lIns="91440" tIns="45720" rIns="91440" bIns="45720" rtlCol="0" anchor="b"/>
+          <a:lstStyle>
+            <a:lvl1pPr algn="r">
+              <a:defRPr sz="1200"/>
+            </a:lvl1pPr>
+          </a:lstStyle>
+          <a:p>
+            <a:fld id="{DABA9B80-6E52-4F04-BED2-D53D27CFE674}" type="slidenum">
+              <a:rPr lang="ru-RU" smtClean="0"/>
+              <a:t>‹#›</a:t>
+            </a:fld>
+            <a:endParaRPr lang="ru-RU"/>
+          </a:p>
+        </p:txBody>
+      </p:sp>
+    </p:spTree>
+    <p:extLst>
+      <p:ext uri="{BB962C8B-B14F-4D97-AF65-F5344CB8AC3E}">
+        <p14:creationId xmlns:p14="http://schemas.microsoft.com/office/powerpoint/2010/main" val="3649077160"/>
+      </p:ext>
+    </p:extLst>
+  </p:cSld>
+  <p:clrMap bg1="lt1" tx1="dk1" bg2="lt2" tx2="dk2" accent1="accent1" accent2="accent2" accent3="accent3" accent4="accent4" accent5="accent5" accent6="accent6" hlink="hlink" folHlink="folHlink"/>
+  <p:hf sldNum="0" hdr="0" ftr="0" dt="0"/>
+  <p:notesStyle>
+    <a:lvl1pPr marL="0" algn="l" defTabSz="914400" rtl="0" eaLnBrk="1" latinLnBrk="0" hangingPunct="1">
+      <a:defRPr sz="1200" kern="1200">
+        <a:solidFill>
+          <a:schemeClr val="tx1"/>
+        </a:solidFill>
+        <a:latin typeface="+mn-lt"/>
+        <a:ea typeface="+mn-ea"/>
+        <a:cs typeface="+mn-cs"/>
+      </a:defRPr>
+    </a:lvl1pPr>
+    <a:lvl2pPr marL="457200" algn="l" defTabSz="914400" rtl="0" eaLnBrk="1" latinLnBrk="0" hangingPunct="1">
+      <a:defRPr sz="1200" kern="1200">
+        <a:solidFill>
+          <a:schemeClr val="tx1"/>
+        </a:solidFill>
+        <a:latin typeface="+mn-lt"/>
+        <a:ea typeface="+mn-ea"/>
+        <a:cs typeface="+mn-cs"/>
+      </a:defRPr>
+    </a:lvl2pPr>
+    <a:lvl3pPr marL="914400" algn="l" defTabSz="914400" rtl="0" eaLnBrk="1" latinLnBrk="0" hangingPunct="1">
+      <a:defRPr sz="1200" kern="1200">
+        <a:solidFill>
+          <a:schemeClr val="tx1"/>
+        </a:solidFill>
+        <a:latin typeface="+mn-lt"/>
+        <a:ea typeface="+mn-ea"/>
+        <a:cs typeface="+mn-cs"/>
+      </a:defRPr>
+    </a:lvl3pPr>
+    <a:lvl4pPr marL="1371600" algn="l" defTabSz="914400" rtl="0" eaLnBrk="1" latinLnBrk="0" hangingPunct="1">
+      <a:defRPr sz="1200" kern="1200">
+        <a:solidFill>
+          <a:schemeClr val="tx1"/>
+        </a:solidFill>
+        <a:latin typeface="+mn-lt"/>
+        <a:ea typeface="+mn-ea"/>
+        <a:cs typeface="+mn-cs"/>
+      </a:defRPr>
+    </a:lvl4pPr>
+    <a:lvl5pPr marL="1828800" algn="l" defTabSz="914400" rtl="0" eaLnBrk="1" latinLnBrk="0" hangingPunct="1">
+      <a:defRPr sz="1200" kern="1200">
+        <a:solidFill>
+          <a:schemeClr val="tx1"/>
+        </a:solidFill>
+        <a:latin typeface="+mn-lt"/>
+        <a:ea typeface="+mn-ea"/>
+        <a:cs typeface="+mn-cs"/>
+      </a:defRPr>
+    </a:lvl5pPr>
+    <a:lvl6pPr marL="2286000" algn="l" defTabSz="914400" rtl="0" eaLnBrk="1" latinLnBrk="0" hangingPunct="1">
+      <a:defRPr sz="1200" kern="1200">
+        <a:solidFill>
+          <a:schemeClr val="tx1"/>
+        </a:solidFill>
+        <a:latin typeface="+mn-lt"/>
+        <a:ea typeface="+mn-ea"/>
+        <a:cs typeface="+mn-cs"/>
+      </a:defRPr>
+    </a:lvl6pPr>
+    <a:lvl7pPr marL="2743200" algn="l" defTabSz="914400" rtl="0" eaLnBrk="1" latinLnBrk="0" hangingPunct="1">
+      <a:defRPr sz="1200" kern="1200">
+        <a:solidFill>
+          <a:schemeClr val="tx1"/>
+        </a:solidFill>
+        <a:latin typeface="+mn-lt"/>
+        <a:ea typeface="+mn-ea"/>
+        <a:cs typeface="+mn-cs"/>
+      </a:defRPr>
+    </a:lvl7pPr>
+    <a:lvl8pPr marL="3200400" algn="l" defTabSz="914400" rtl="0" eaLnBrk="1" latinLnBrk="0" hangingPunct="1">
+      <a:defRPr sz="1200" kern="1200">
+        <a:solidFill>
+          <a:schemeClr val="tx1"/>
+        </a:solidFill>
+        <a:latin typeface="+mn-lt"/>
+        <a:ea typeface="+mn-ea"/>
+        <a:cs typeface="+mn-cs"/>
+      </a:defRPr>
+    </a:lvl8pPr>
+    <a:lvl9pPr marL="3657600" algn="l" defTabSz="914400" rtl="0" eaLnBrk="1" latinLnBrk="0" hangingPunct="1">
+      <a:defRPr sz="1200" kern="1200">
+        <a:solidFill>
+          <a:schemeClr val="tx1"/>
+        </a:solidFill>
+        <a:latin typeface="+mn-lt"/>
+        <a:ea typeface="+mn-ea"/>
+        <a:cs typeface="+mn-cs"/>
+      </a:defRPr>
+    </a:lvl9pPr>
+  </p:notesStyle>
+</p:notesMaster>
+</file>
+
+<file path=ppt/notesSlides/notesSlide1.xml><?xml version="1.0" encoding="utf-8"?>
+<p:notes xmlns:a="http://schemas.openxmlformats.org/drawingml/2006/main" xmlns:r="http://schemas.openxmlformats.org/officeDocument/2006/relationships" xmlns:p="http://schemas.openxmlformats.org/presentationml/2006/main">
+  <p:cSld>
+    <p:spTree>
+      <p:nvGrpSpPr>
+        <p:cNvPr id="1" name=""/>
+        <p:cNvGrpSpPr/>
+        <p:nvPr/>
+      </p:nvGrpSpPr>
+      <p:grpSpPr>
+        <a:xfrm>
+          <a:off x="0" y="0"/>
+          <a:ext cx="0" cy="0"/>
+          <a:chOff x="0" y="0"/>
+          <a:chExt cx="0" cy="0"/>
+        </a:xfrm>
+      </p:grpSpPr>
+      <p:sp>
+        <p:nvSpPr>
+          <p:cNvPr id="2" name="Образ слайда 1"/>
+          <p:cNvSpPr>
+            <a:spLocks noGrp="1" noRot="1" noChangeAspect="1"/>
+          </p:cNvSpPr>
+          <p:nvPr>
+            <p:ph type="sldImg"/>
+          </p:nvPr>
+        </p:nvSpPr>
+        <p:spPr/>
+      </p:sp>
+      <p:sp>
+        <p:nvSpPr>
+          <p:cNvPr id="3" name="Заметки 2"/>
+          <p:cNvSpPr>
+            <a:spLocks noGrp="1"/>
+          </p:cNvSpPr>
+          <p:nvPr>
+            <p:ph type="body" idx="1"/>
+          </p:nvPr>
+        </p:nvSpPr>
+        <p:spPr/>
+        <p:txBody>
+          <a:bodyPr/>
+          <a:lstStyle/>
+          <a:p>
+            <a:endParaRPr lang="ru-RU"/>
+          </a:p>
+        </p:txBody>
+      </p:sp>
+    </p:spTree>
+    <p:extLst>
+      <p:ext uri="{BB962C8B-B14F-4D97-AF65-F5344CB8AC3E}">
+        <p14:creationId xmlns:p14="http://schemas.microsoft.com/office/powerpoint/2010/main" val="2212584139"/>
+      </p:ext>
+    </p:extLst>
+  </p:cSld>
+  <p:clrMapOvr>
+    <a:masterClrMapping/>
+  </p:clrMapOvr>
+</p:notes>
 </file>
 
 <file path=ppt/slideLayouts/slideLayout1.xml><?xml version="1.0" encoding="utf-8"?>
@@ -268,9 +870,9 @@
           <a:bodyPr/>
           <a:lstStyle/>
           <a:p>
-            <a:fld id="{2BACD136-CCE4-4A31-B768-FA334573C22A}" type="datetimeFigureOut">
-              <a:rPr lang="ru-RU" smtClean="0"/>
-              <a:t>23.06.2016</a:t>
+            <a:fld id="{BDB56ACF-16C3-4116-8248-2758D91AD5FA}" type="datetime1">
+              <a:rPr lang="ru-RU" smtClean="0"/>
+              <a:t>24.06.2016</a:t>
             </a:fld>
             <a:endParaRPr lang="ru-RU"/>
           </a:p>
@@ -291,6 +893,10 @@
           <a:bodyPr/>
           <a:lstStyle/>
           <a:p>
+            <a:r>
+              <a:rPr lang="ru-RU" smtClean="0"/>
+              <a:t>Слайд</a:t>
+            </a:r>
             <a:endParaRPr lang="ru-RU"/>
           </a:p>
         </p:txBody>
@@ -438,9 +1044,9 @@
           <a:bodyPr/>
           <a:lstStyle/>
           <a:p>
-            <a:fld id="{2BACD136-CCE4-4A31-B768-FA334573C22A}" type="datetimeFigureOut">
-              <a:rPr lang="ru-RU" smtClean="0"/>
-              <a:t>23.06.2016</a:t>
+            <a:fld id="{03A9C6D4-E579-4929-9090-9FEB0018C967}" type="datetime1">
+              <a:rPr lang="ru-RU" smtClean="0"/>
+              <a:t>24.06.2016</a:t>
             </a:fld>
             <a:endParaRPr lang="ru-RU"/>
           </a:p>
@@ -461,6 +1067,10 @@
           <a:bodyPr/>
           <a:lstStyle/>
           <a:p>
+            <a:r>
+              <a:rPr lang="ru-RU" smtClean="0"/>
+              <a:t>Слайд</a:t>
+            </a:r>
             <a:endParaRPr lang="ru-RU"/>
           </a:p>
         </p:txBody>
@@ -618,9 +1228,9 @@
           <a:bodyPr/>
           <a:lstStyle/>
           <a:p>
-            <a:fld id="{2BACD136-CCE4-4A31-B768-FA334573C22A}" type="datetimeFigureOut">
-              <a:rPr lang="ru-RU" smtClean="0"/>
-              <a:t>23.06.2016</a:t>
+            <a:fld id="{A56FE455-1F52-4087-9EDC-140F3BE67965}" type="datetime1">
+              <a:rPr lang="ru-RU" smtClean="0"/>
+              <a:t>24.06.2016</a:t>
             </a:fld>
             <a:endParaRPr lang="ru-RU"/>
           </a:p>
@@ -641,6 +1251,10 @@
           <a:bodyPr/>
           <a:lstStyle/>
           <a:p>
+            <a:r>
+              <a:rPr lang="ru-RU" smtClean="0"/>
+              <a:t>Слайд</a:t>
+            </a:r>
             <a:endParaRPr lang="ru-RU"/>
           </a:p>
         </p:txBody>
@@ -788,9 +1402,9 @@
           <a:bodyPr/>
           <a:lstStyle/>
           <a:p>
-            <a:fld id="{2BACD136-CCE4-4A31-B768-FA334573C22A}" type="datetimeFigureOut">
-              <a:rPr lang="ru-RU" smtClean="0"/>
-              <a:t>23.06.2016</a:t>
+            <a:fld id="{006472C5-8A32-454B-9A4E-A399A501CBA6}" type="datetime1">
+              <a:rPr lang="ru-RU" smtClean="0"/>
+              <a:t>24.06.2016</a:t>
             </a:fld>
             <a:endParaRPr lang="ru-RU"/>
           </a:p>
@@ -811,6 +1425,10 @@
           <a:bodyPr/>
           <a:lstStyle/>
           <a:p>
+            <a:r>
+              <a:rPr lang="ru-RU" smtClean="0"/>
+              <a:t>Слайд</a:t>
+            </a:r>
             <a:endParaRPr lang="ru-RU"/>
           </a:p>
         </p:txBody>
@@ -1034,9 +1652,9 @@
           <a:bodyPr/>
           <a:lstStyle/>
           <a:p>
-            <a:fld id="{2BACD136-CCE4-4A31-B768-FA334573C22A}" type="datetimeFigureOut">
-              <a:rPr lang="ru-RU" smtClean="0"/>
-              <a:t>23.06.2016</a:t>
+            <a:fld id="{22AF995B-6E36-4D47-A5F4-9D0AF48F64AC}" type="datetime1">
+              <a:rPr lang="ru-RU" smtClean="0"/>
+              <a:t>24.06.2016</a:t>
             </a:fld>
             <a:endParaRPr lang="ru-RU"/>
           </a:p>
@@ -1057,6 +1675,10 @@
           <a:bodyPr/>
           <a:lstStyle/>
           <a:p>
+            <a:r>
+              <a:rPr lang="ru-RU" smtClean="0"/>
+              <a:t>Слайд</a:t>
+            </a:r>
             <a:endParaRPr lang="ru-RU"/>
           </a:p>
         </p:txBody>
@@ -1266,9 +1888,9 @@
           <a:bodyPr/>
           <a:lstStyle/>
           <a:p>
-            <a:fld id="{2BACD136-CCE4-4A31-B768-FA334573C22A}" type="datetimeFigureOut">
-              <a:rPr lang="ru-RU" smtClean="0"/>
-              <a:t>23.06.2016</a:t>
+            <a:fld id="{6617BEA8-E1A3-454A-9907-53976E2665CB}" type="datetime1">
+              <a:rPr lang="ru-RU" smtClean="0"/>
+              <a:t>24.06.2016</a:t>
             </a:fld>
             <a:endParaRPr lang="ru-RU"/>
           </a:p>
@@ -1289,6 +1911,10 @@
           <a:bodyPr/>
           <a:lstStyle/>
           <a:p>
+            <a:r>
+              <a:rPr lang="ru-RU" smtClean="0"/>
+              <a:t>Слайд</a:t>
+            </a:r>
             <a:endParaRPr lang="ru-RU"/>
           </a:p>
         </p:txBody>
@@ -1633,9 +2259,9 @@
           <a:bodyPr/>
           <a:lstStyle/>
           <a:p>
-            <a:fld id="{2BACD136-CCE4-4A31-B768-FA334573C22A}" type="datetimeFigureOut">
-              <a:rPr lang="ru-RU" smtClean="0"/>
-              <a:t>23.06.2016</a:t>
+            <a:fld id="{A6D0D1AD-8768-48A4-9A78-DFCD69494CE3}" type="datetime1">
+              <a:rPr lang="ru-RU" smtClean="0"/>
+              <a:t>24.06.2016</a:t>
             </a:fld>
             <a:endParaRPr lang="ru-RU"/>
           </a:p>
@@ -1656,6 +2282,10 @@
           <a:bodyPr/>
           <a:lstStyle/>
           <a:p>
+            <a:r>
+              <a:rPr lang="ru-RU" smtClean="0"/>
+              <a:t>Слайд</a:t>
+            </a:r>
             <a:endParaRPr lang="ru-RU"/>
           </a:p>
         </p:txBody>
@@ -1751,9 +2381,9 @@
           <a:bodyPr/>
           <a:lstStyle/>
           <a:p>
-            <a:fld id="{2BACD136-CCE4-4A31-B768-FA334573C22A}" type="datetimeFigureOut">
-              <a:rPr lang="ru-RU" smtClean="0"/>
-              <a:t>23.06.2016</a:t>
+            <a:fld id="{0DCFE58C-DA66-4343-B835-B2834B18DB4D}" type="datetime1">
+              <a:rPr lang="ru-RU" smtClean="0"/>
+              <a:t>24.06.2016</a:t>
             </a:fld>
             <a:endParaRPr lang="ru-RU"/>
           </a:p>
@@ -1774,6 +2404,10 @@
           <a:bodyPr/>
           <a:lstStyle/>
           <a:p>
+            <a:r>
+              <a:rPr lang="ru-RU" smtClean="0"/>
+              <a:t>Слайд</a:t>
+            </a:r>
             <a:endParaRPr lang="ru-RU"/>
           </a:p>
         </p:txBody>
@@ -1846,9 +2480,9 @@
           <a:bodyPr/>
           <a:lstStyle/>
           <a:p>
-            <a:fld id="{2BACD136-CCE4-4A31-B768-FA334573C22A}" type="datetimeFigureOut">
-              <a:rPr lang="ru-RU" smtClean="0"/>
-              <a:t>23.06.2016</a:t>
+            <a:fld id="{FD37B829-B5B9-4A2F-8C9C-A4E62F3DA731}" type="datetime1">
+              <a:rPr lang="ru-RU" smtClean="0"/>
+              <a:t>24.06.2016</a:t>
             </a:fld>
             <a:endParaRPr lang="ru-RU"/>
           </a:p>
@@ -1869,6 +2503,10 @@
           <a:bodyPr/>
           <a:lstStyle/>
           <a:p>
+            <a:r>
+              <a:rPr lang="ru-RU" smtClean="0"/>
+              <a:t>Слайд</a:t>
+            </a:r>
             <a:endParaRPr lang="ru-RU"/>
           </a:p>
         </p:txBody>
@@ -2123,9 +2761,9 @@
           <a:bodyPr/>
           <a:lstStyle/>
           <a:p>
-            <a:fld id="{2BACD136-CCE4-4A31-B768-FA334573C22A}" type="datetimeFigureOut">
-              <a:rPr lang="ru-RU" smtClean="0"/>
-              <a:t>23.06.2016</a:t>
+            <a:fld id="{551205E0-2895-4C16-B08B-06C14A9B3953}" type="datetime1">
+              <a:rPr lang="ru-RU" smtClean="0"/>
+              <a:t>24.06.2016</a:t>
             </a:fld>
             <a:endParaRPr lang="ru-RU"/>
           </a:p>
@@ -2146,6 +2784,10 @@
           <a:bodyPr/>
           <a:lstStyle/>
           <a:p>
+            <a:r>
+              <a:rPr lang="ru-RU" smtClean="0"/>
+              <a:t>Слайд</a:t>
+            </a:r>
             <a:endParaRPr lang="ru-RU"/>
           </a:p>
         </p:txBody>
@@ -2376,9 +3018,9 @@
           <a:bodyPr/>
           <a:lstStyle/>
           <a:p>
-            <a:fld id="{2BACD136-CCE4-4A31-B768-FA334573C22A}" type="datetimeFigureOut">
-              <a:rPr lang="ru-RU" smtClean="0"/>
-              <a:t>23.06.2016</a:t>
+            <a:fld id="{B0448225-8C30-44D4-A964-2709038BEE28}" type="datetime1">
+              <a:rPr lang="ru-RU" smtClean="0"/>
+              <a:t>24.06.2016</a:t>
             </a:fld>
             <a:endParaRPr lang="ru-RU"/>
           </a:p>
@@ -2399,6 +3041,10 @@
           <a:bodyPr/>
           <a:lstStyle/>
           <a:p>
+            <a:r>
+              <a:rPr lang="ru-RU" smtClean="0"/>
+              <a:t>Слайд</a:t>
+            </a:r>
             <a:endParaRPr lang="ru-RU"/>
           </a:p>
         </p:txBody>
@@ -2589,9 +3235,9 @@
             </a:lvl1pPr>
           </a:lstStyle>
           <a:p>
-            <a:fld id="{2BACD136-CCE4-4A31-B768-FA334573C22A}" type="datetimeFigureOut">
-              <a:rPr lang="ru-RU" smtClean="0"/>
-              <a:t>23.06.2016</a:t>
+            <a:fld id="{C0253D67-BC33-4466-98D9-14E895FE40C0}" type="datetime1">
+              <a:rPr lang="ru-RU" smtClean="0"/>
+              <a:t>24.06.2016</a:t>
             </a:fld>
             <a:endParaRPr lang="ru-RU"/>
           </a:p>
@@ -2630,6 +3276,10 @@
             </a:lvl1pPr>
           </a:lstStyle>
           <a:p>
+            <a:r>
+              <a:rPr lang="ru-RU" smtClean="0"/>
+              <a:t>Слайд</a:t>
+            </a:r>
             <a:endParaRPr lang="ru-RU"/>
           </a:p>
         </p:txBody>
@@ -2696,6 +3346,7 @@
     <p:sldLayoutId id="2147483658" r:id="rId10"/>
     <p:sldLayoutId id="2147483659" r:id="rId11"/>
   </p:sldLayoutIdLst>
+  <p:hf hdr="0" ftr="0" dt="0"/>
   <p:txStyles>
     <p:titleStyle>
       <a:lvl1pPr algn="l" defTabSz="914400" rtl="0" eaLnBrk="1" latinLnBrk="0" hangingPunct="1">
@@ -3020,7 +3671,19 @@
           <a:p>
             <a:r>
               <a:rPr lang="ru-RU" dirty="0" smtClean="0"/>
-              <a:t>Разработка клиент-серверного приложения для автоматизации покупки через Интернет</a:t>
+              <a:t>Разработка </a:t>
+            </a:r>
+            <a:r>
+              <a:rPr lang="en-US" dirty="0" smtClean="0"/>
+              <a:t>web-</a:t>
+            </a:r>
+            <a:r>
+              <a:rPr lang="ru-RU" dirty="0" smtClean="0"/>
+              <a:t>приложения </a:t>
+            </a:r>
+            <a:r>
+              <a:rPr lang="ru-RU" dirty="0" smtClean="0"/>
+              <a:t>для автоматизации покупки через Интернет</a:t>
             </a:r>
             <a:endParaRPr lang="ru-RU" dirty="0"/>
           </a:p>
@@ -3064,6 +3727,29 @@
               <a:rPr lang="ru-RU" dirty="0" smtClean="0"/>
               <a:t>Научный руководитель Коваленко М.О.</a:t>
             </a:r>
+            <a:endParaRPr lang="ru-RU" dirty="0"/>
+          </a:p>
+        </p:txBody>
+      </p:sp>
+      <p:sp>
+        <p:nvSpPr>
+          <p:cNvPr id="5" name="Номер слайда 4"/>
+          <p:cNvSpPr>
+            <a:spLocks noGrp="1"/>
+          </p:cNvSpPr>
+          <p:nvPr>
+            <p:ph type="sldNum" sz="quarter" idx="12"/>
+          </p:nvPr>
+        </p:nvSpPr>
+        <p:spPr/>
+        <p:txBody>
+          <a:bodyPr/>
+          <a:lstStyle/>
+          <a:p>
+            <a:fld id="{9DFB581A-65C8-4375-9517-CFE74469FC48}" type="slidenum">
+              <a:rPr lang="ru-RU" smtClean="0"/>
+              <a:t>1</a:t>
+            </a:fld>
             <a:endParaRPr lang="ru-RU" dirty="0"/>
           </a:p>
         </p:txBody>
@@ -3118,11 +3804,13 @@
         <p:spPr>
           <a:xfrm>
             <a:off x="838200" y="365126"/>
-            <a:ext cx="10515600" cy="708932"/>
-          </a:xfrm>
-        </p:spPr>
-        <p:txBody>
-          <a:bodyPr/>
+            <a:ext cx="10515600" cy="621846"/>
+          </a:xfrm>
+        </p:spPr>
+        <p:txBody>
+          <a:bodyPr>
+            <a:normAutofit fontScale="90000"/>
+          </a:bodyPr>
           <a:lstStyle/>
           <a:p>
             <a:pPr algn="ctr"/>
@@ -3136,7 +3824,7 @@
       </p:sp>
       <p:pic>
         <p:nvPicPr>
-          <p:cNvPr id="4" name="Объект 3"/>
+          <p:cNvPr id="7" name="Объект 6"/>
           <p:cNvPicPr>
             <a:picLocks noGrp="1" noChangeAspect="1"/>
           </p:cNvPicPr>
@@ -3158,21 +3846,51 @@
         </p:blipFill>
         <p:spPr>
           <a:xfrm>
-            <a:off x="838200" y="1453633"/>
-            <a:ext cx="10515600" cy="4344435"/>
+            <a:off x="838200" y="1965023"/>
+            <a:ext cx="10515600" cy="3491972"/>
           </a:xfrm>
         </p:spPr>
       </p:pic>
+      <p:sp>
+        <p:nvSpPr>
+          <p:cNvPr id="3" name="Номер слайда 2"/>
+          <p:cNvSpPr>
+            <a:spLocks noGrp="1"/>
+          </p:cNvSpPr>
+          <p:nvPr>
+            <p:ph type="sldNum" sz="quarter" idx="12"/>
+          </p:nvPr>
+        </p:nvSpPr>
+        <p:spPr/>
+        <p:txBody>
+          <a:bodyPr/>
+          <a:lstStyle/>
+          <a:p>
+            <a:fld id="{9DFB581A-65C8-4375-9517-CFE74469FC48}" type="slidenum">
+              <a:rPr lang="ru-RU" smtClean="0"/>
+              <a:t>10</a:t>
+            </a:fld>
+            <a:endParaRPr lang="ru-RU"/>
+          </a:p>
+        </p:txBody>
+      </p:sp>
     </p:spTree>
     <p:extLst>
       <p:ext uri="{BB962C8B-B14F-4D97-AF65-F5344CB8AC3E}">
-        <p14:creationId xmlns:p14="http://schemas.microsoft.com/office/powerpoint/2010/main" val="2934731559"/>
+        <p14:creationId xmlns:p14="http://schemas.microsoft.com/office/powerpoint/2010/main" val="3296908316"/>
       </p:ext>
     </p:extLst>
   </p:cSld>
   <p:clrMapOvr>
     <a:masterClrMapping/>
   </p:clrMapOvr>
+  <p:timing>
+    <p:tnLst>
+      <p:par>
+        <p:cTn id="1" dur="indefinite" restart="never" nodeType="tmRoot"/>
+      </p:par>
+    </p:tnLst>
+  </p:timing>
 </p:sld>
 </file>
 
@@ -3205,14 +3923,12 @@
         </p:nvSpPr>
         <p:spPr>
           <a:xfrm>
-            <a:off x="838200" y="365125"/>
-            <a:ext cx="10515600" cy="650875"/>
-          </a:xfrm>
-        </p:spPr>
-        <p:txBody>
-          <a:bodyPr>
-            <a:normAutofit fontScale="90000"/>
-          </a:bodyPr>
+            <a:off x="838200" y="365126"/>
+            <a:ext cx="10515600" cy="708932"/>
+          </a:xfrm>
+        </p:spPr>
+        <p:txBody>
+          <a:bodyPr/>
           <a:lstStyle/>
           <a:p>
             <a:pPr algn="ctr"/>
@@ -3248,21 +3964,51 @@
         </p:blipFill>
         <p:spPr>
           <a:xfrm>
-            <a:off x="889924" y="1219200"/>
-            <a:ext cx="10412152" cy="5160963"/>
+            <a:off x="838200" y="1453633"/>
+            <a:ext cx="10515600" cy="4344435"/>
           </a:xfrm>
         </p:spPr>
       </p:pic>
+      <p:sp>
+        <p:nvSpPr>
+          <p:cNvPr id="3" name="Номер слайда 2"/>
+          <p:cNvSpPr>
+            <a:spLocks noGrp="1"/>
+          </p:cNvSpPr>
+          <p:nvPr>
+            <p:ph type="sldNum" sz="quarter" idx="12"/>
+          </p:nvPr>
+        </p:nvSpPr>
+        <p:spPr/>
+        <p:txBody>
+          <a:bodyPr/>
+          <a:lstStyle/>
+          <a:p>
+            <a:fld id="{9DFB581A-65C8-4375-9517-CFE74469FC48}" type="slidenum">
+              <a:rPr lang="ru-RU" smtClean="0"/>
+              <a:t>11</a:t>
+            </a:fld>
+            <a:endParaRPr lang="ru-RU"/>
+          </a:p>
+        </p:txBody>
+      </p:sp>
     </p:spTree>
     <p:extLst>
       <p:ext uri="{BB962C8B-B14F-4D97-AF65-F5344CB8AC3E}">
-        <p14:creationId xmlns:p14="http://schemas.microsoft.com/office/powerpoint/2010/main" val="1094609723"/>
+        <p14:creationId xmlns:p14="http://schemas.microsoft.com/office/powerpoint/2010/main" val="2934731559"/>
       </p:ext>
     </p:extLst>
   </p:cSld>
   <p:clrMapOvr>
     <a:masterClrMapping/>
   </p:clrMapOvr>
+  <p:timing>
+    <p:tnLst>
+      <p:par>
+        <p:cTn id="1" dur="indefinite" restart="never" nodeType="tmRoot"/>
+      </p:par>
+    </p:tnLst>
+  </p:timing>
 </p:sld>
 </file>
 
@@ -3283,40 +4029,9 @@
           <a:chExt cx="0" cy="0"/>
         </a:xfrm>
       </p:grpSpPr>
-      <p:sp>
-        <p:nvSpPr>
-          <p:cNvPr id="2" name="Заголовок 1"/>
-          <p:cNvSpPr>
-            <a:spLocks noGrp="1"/>
-          </p:cNvSpPr>
-          <p:nvPr>
-            <p:ph type="title"/>
-          </p:nvPr>
-        </p:nvSpPr>
-        <p:spPr>
-          <a:xfrm>
-            <a:off x="838200" y="365125"/>
-            <a:ext cx="10515600" cy="636361"/>
-          </a:xfrm>
-        </p:spPr>
-        <p:txBody>
-          <a:bodyPr>
-            <a:normAutofit fontScale="90000"/>
-          </a:bodyPr>
-          <a:lstStyle/>
-          <a:p>
-            <a:pPr algn="ctr"/>
-            <a:r>
-              <a:rPr lang="ru-RU" dirty="0" smtClean="0"/>
-              <a:t>Покупка товара</a:t>
-            </a:r>
-            <a:endParaRPr lang="ru-RU" dirty="0"/>
-          </a:p>
-        </p:txBody>
-      </p:sp>
       <p:pic>
         <p:nvPicPr>
-          <p:cNvPr id="4" name="Объект 3"/>
+          <p:cNvPr id="6" name="Объект 5"/>
           <p:cNvPicPr>
             <a:picLocks noGrp="1" noChangeAspect="1"/>
           </p:cNvPicPr>
@@ -3338,21 +4053,80 @@
         </p:blipFill>
         <p:spPr>
           <a:xfrm>
-            <a:off x="838200" y="1973137"/>
-            <a:ext cx="10515600" cy="3376863"/>
+            <a:off x="2996448" y="1074058"/>
+            <a:ext cx="6199103" cy="5343399"/>
           </a:xfrm>
         </p:spPr>
       </p:pic>
+      <p:sp>
+        <p:nvSpPr>
+          <p:cNvPr id="4" name="Номер слайда 3"/>
+          <p:cNvSpPr>
+            <a:spLocks noGrp="1"/>
+          </p:cNvSpPr>
+          <p:nvPr>
+            <p:ph type="sldNum" sz="quarter" idx="12"/>
+          </p:nvPr>
+        </p:nvSpPr>
+        <p:spPr/>
+        <p:txBody>
+          <a:bodyPr/>
+          <a:lstStyle/>
+          <a:p>
+            <a:fld id="{9DFB581A-65C8-4375-9517-CFE74469FC48}" type="slidenum">
+              <a:rPr lang="ru-RU" smtClean="0"/>
+              <a:t>12</a:t>
+            </a:fld>
+            <a:endParaRPr lang="ru-RU"/>
+          </a:p>
+        </p:txBody>
+      </p:sp>
+      <p:sp>
+        <p:nvSpPr>
+          <p:cNvPr id="5" name="Заголовок 1"/>
+          <p:cNvSpPr>
+            <a:spLocks noGrp="1"/>
+          </p:cNvSpPr>
+          <p:nvPr>
+            <p:ph type="title"/>
+          </p:nvPr>
+        </p:nvSpPr>
+        <p:spPr>
+          <a:xfrm>
+            <a:off x="838200" y="365126"/>
+            <a:ext cx="10515600" cy="708932"/>
+          </a:xfrm>
+        </p:spPr>
+        <p:txBody>
+          <a:bodyPr/>
+          <a:lstStyle/>
+          <a:p>
+            <a:pPr algn="ctr"/>
+            <a:r>
+              <a:rPr lang="ru-RU" dirty="0" smtClean="0"/>
+              <a:t>Покупка товара</a:t>
+            </a:r>
+            <a:endParaRPr lang="ru-RU" dirty="0"/>
+          </a:p>
+        </p:txBody>
+      </p:sp>
     </p:spTree>
     <p:extLst>
       <p:ext uri="{BB962C8B-B14F-4D97-AF65-F5344CB8AC3E}">
-        <p14:creationId xmlns:p14="http://schemas.microsoft.com/office/powerpoint/2010/main" val="3253034644"/>
+        <p14:creationId xmlns:p14="http://schemas.microsoft.com/office/powerpoint/2010/main" val="2709161890"/>
       </p:ext>
     </p:extLst>
   </p:cSld>
   <p:clrMapOvr>
     <a:masterClrMapping/>
   </p:clrMapOvr>
+  <p:timing>
+    <p:tnLst>
+      <p:par>
+        <p:cTn id="1" dur="indefinite" restart="never" nodeType="tmRoot"/>
+      </p:par>
+    </p:tnLst>
+  </p:timing>
 </p:sld>
 </file>
 
@@ -3385,6 +4159,246 @@
         </p:nvSpPr>
         <p:spPr>
           <a:xfrm>
+            <a:off x="838200" y="365125"/>
+            <a:ext cx="10515600" cy="636361"/>
+          </a:xfrm>
+        </p:spPr>
+        <p:txBody>
+          <a:bodyPr>
+            <a:normAutofit fontScale="90000"/>
+          </a:bodyPr>
+          <a:lstStyle/>
+          <a:p>
+            <a:pPr algn="ctr"/>
+            <a:r>
+              <a:rPr lang="ru-RU" dirty="0" smtClean="0"/>
+              <a:t>Покупка товара</a:t>
+            </a:r>
+            <a:endParaRPr lang="ru-RU" dirty="0"/>
+          </a:p>
+        </p:txBody>
+      </p:sp>
+      <p:pic>
+        <p:nvPicPr>
+          <p:cNvPr id="4" name="Объект 3"/>
+          <p:cNvPicPr>
+            <a:picLocks noGrp="1" noChangeAspect="1"/>
+          </p:cNvPicPr>
+          <p:nvPr>
+            <p:ph idx="1"/>
+          </p:nvPr>
+        </p:nvPicPr>
+        <p:blipFill>
+          <a:blip r:embed="rId2">
+            <a:extLst>
+              <a:ext uri="{28A0092B-C50C-407E-A947-70E740481C1C}">
+                <a14:useLocalDpi xmlns:a14="http://schemas.microsoft.com/office/drawing/2010/main" val="0"/>
+              </a:ext>
+            </a:extLst>
+          </a:blip>
+          <a:stretch>
+            <a:fillRect/>
+          </a:stretch>
+        </p:blipFill>
+        <p:spPr>
+          <a:xfrm>
+            <a:off x="838200" y="1973137"/>
+            <a:ext cx="10515600" cy="3376863"/>
+          </a:xfrm>
+        </p:spPr>
+      </p:pic>
+      <p:sp>
+        <p:nvSpPr>
+          <p:cNvPr id="3" name="Номер слайда 2"/>
+          <p:cNvSpPr>
+            <a:spLocks noGrp="1"/>
+          </p:cNvSpPr>
+          <p:nvPr>
+            <p:ph type="sldNum" sz="quarter" idx="12"/>
+          </p:nvPr>
+        </p:nvSpPr>
+        <p:spPr/>
+        <p:txBody>
+          <a:bodyPr/>
+          <a:lstStyle/>
+          <a:p>
+            <a:fld id="{9DFB581A-65C8-4375-9517-CFE74469FC48}" type="slidenum">
+              <a:rPr lang="ru-RU" smtClean="0"/>
+              <a:t>13</a:t>
+            </a:fld>
+            <a:endParaRPr lang="ru-RU"/>
+          </a:p>
+        </p:txBody>
+      </p:sp>
+    </p:spTree>
+    <p:extLst>
+      <p:ext uri="{BB962C8B-B14F-4D97-AF65-F5344CB8AC3E}">
+        <p14:creationId xmlns:p14="http://schemas.microsoft.com/office/powerpoint/2010/main" val="3253034644"/>
+      </p:ext>
+    </p:extLst>
+  </p:cSld>
+  <p:clrMapOvr>
+    <a:masterClrMapping/>
+  </p:clrMapOvr>
+  <p:timing>
+    <p:tnLst>
+      <p:par>
+        <p:cTn id="1" dur="indefinite" restart="never" nodeType="tmRoot"/>
+      </p:par>
+    </p:tnLst>
+  </p:timing>
+</p:sld>
+</file>
+
+<file path=ppt/slides/slide14.xml><?xml version="1.0" encoding="utf-8"?>
+<p:sld xmlns:a="http://schemas.openxmlformats.org/drawingml/2006/main" xmlns:r="http://schemas.openxmlformats.org/officeDocument/2006/relationships" xmlns:p="http://schemas.openxmlformats.org/presentationml/2006/main">
+  <p:cSld>
+    <p:spTree>
+      <p:nvGrpSpPr>
+        <p:cNvPr id="1" name=""/>
+        <p:cNvGrpSpPr/>
+        <p:nvPr/>
+      </p:nvGrpSpPr>
+      <p:grpSpPr>
+        <a:xfrm>
+          <a:off x="0" y="0"/>
+          <a:ext cx="0" cy="0"/>
+          <a:chOff x="0" y="0"/>
+          <a:chExt cx="0" cy="0"/>
+        </a:xfrm>
+      </p:grpSpPr>
+      <p:sp>
+        <p:nvSpPr>
+          <p:cNvPr id="2" name="Заголовок 1"/>
+          <p:cNvSpPr>
+            <a:spLocks noGrp="1"/>
+          </p:cNvSpPr>
+          <p:nvPr>
+            <p:ph type="title"/>
+          </p:nvPr>
+        </p:nvSpPr>
+        <p:spPr>
+          <a:xfrm>
+            <a:off x="838200" y="365125"/>
+            <a:ext cx="10515600" cy="650875"/>
+          </a:xfrm>
+        </p:spPr>
+        <p:txBody>
+          <a:bodyPr>
+            <a:normAutofit fontScale="90000"/>
+          </a:bodyPr>
+          <a:lstStyle/>
+          <a:p>
+            <a:pPr algn="ctr"/>
+            <a:r>
+              <a:rPr lang="ru-RU" dirty="0" smtClean="0"/>
+              <a:t>Покупка товара</a:t>
+            </a:r>
+            <a:endParaRPr lang="ru-RU" dirty="0"/>
+          </a:p>
+        </p:txBody>
+      </p:sp>
+      <p:pic>
+        <p:nvPicPr>
+          <p:cNvPr id="4" name="Объект 3"/>
+          <p:cNvPicPr>
+            <a:picLocks noGrp="1" noChangeAspect="1"/>
+          </p:cNvPicPr>
+          <p:nvPr>
+            <p:ph idx="1"/>
+          </p:nvPr>
+        </p:nvPicPr>
+        <p:blipFill>
+          <a:blip r:embed="rId2">
+            <a:extLst>
+              <a:ext uri="{28A0092B-C50C-407E-A947-70E740481C1C}">
+                <a14:useLocalDpi xmlns:a14="http://schemas.microsoft.com/office/drawing/2010/main" val="0"/>
+              </a:ext>
+            </a:extLst>
+          </a:blip>
+          <a:stretch>
+            <a:fillRect/>
+          </a:stretch>
+        </p:blipFill>
+        <p:spPr>
+          <a:xfrm>
+            <a:off x="889924" y="1219200"/>
+            <a:ext cx="10412152" cy="5160963"/>
+          </a:xfrm>
+        </p:spPr>
+      </p:pic>
+      <p:sp>
+        <p:nvSpPr>
+          <p:cNvPr id="3" name="Номер слайда 2"/>
+          <p:cNvSpPr>
+            <a:spLocks noGrp="1"/>
+          </p:cNvSpPr>
+          <p:nvPr>
+            <p:ph type="sldNum" sz="quarter" idx="12"/>
+          </p:nvPr>
+        </p:nvSpPr>
+        <p:spPr/>
+        <p:txBody>
+          <a:bodyPr/>
+          <a:lstStyle/>
+          <a:p>
+            <a:fld id="{9DFB581A-65C8-4375-9517-CFE74469FC48}" type="slidenum">
+              <a:rPr lang="ru-RU" smtClean="0"/>
+              <a:t>14</a:t>
+            </a:fld>
+            <a:endParaRPr lang="ru-RU"/>
+          </a:p>
+        </p:txBody>
+      </p:sp>
+    </p:spTree>
+    <p:extLst>
+      <p:ext uri="{BB962C8B-B14F-4D97-AF65-F5344CB8AC3E}">
+        <p14:creationId xmlns:p14="http://schemas.microsoft.com/office/powerpoint/2010/main" val="1094609723"/>
+      </p:ext>
+    </p:extLst>
+  </p:cSld>
+  <p:clrMapOvr>
+    <a:masterClrMapping/>
+  </p:clrMapOvr>
+  <p:timing>
+    <p:tnLst>
+      <p:par>
+        <p:cTn id="1" dur="indefinite" restart="never" nodeType="tmRoot"/>
+      </p:par>
+    </p:tnLst>
+  </p:timing>
+</p:sld>
+</file>
+
+<file path=ppt/slides/slide15.xml><?xml version="1.0" encoding="utf-8"?>
+<p:sld xmlns:a="http://schemas.openxmlformats.org/drawingml/2006/main" xmlns:r="http://schemas.openxmlformats.org/officeDocument/2006/relationships" xmlns:p="http://schemas.openxmlformats.org/presentationml/2006/main">
+  <p:cSld>
+    <p:spTree>
+      <p:nvGrpSpPr>
+        <p:cNvPr id="1" name=""/>
+        <p:cNvGrpSpPr/>
+        <p:nvPr/>
+      </p:nvGrpSpPr>
+      <p:grpSpPr>
+        <a:xfrm>
+          <a:off x="0" y="0"/>
+          <a:ext cx="0" cy="0"/>
+          <a:chOff x="0" y="0"/>
+          <a:chExt cx="0" cy="0"/>
+        </a:xfrm>
+      </p:grpSpPr>
+      <p:sp>
+        <p:nvSpPr>
+          <p:cNvPr id="2" name="Заголовок 1"/>
+          <p:cNvSpPr>
+            <a:spLocks noGrp="1"/>
+          </p:cNvSpPr>
+          <p:nvPr>
+            <p:ph type="title"/>
+          </p:nvPr>
+        </p:nvSpPr>
+        <p:spPr>
+          <a:xfrm>
             <a:off x="838200" y="365126"/>
             <a:ext cx="10515600" cy="694418"/>
           </a:xfrm>
@@ -3500,6 +4514,29 @@
           </a:prstGeom>
         </p:spPr>
       </p:pic>
+      <p:sp>
+        <p:nvSpPr>
+          <p:cNvPr id="3" name="Номер слайда 2"/>
+          <p:cNvSpPr>
+            <a:spLocks noGrp="1"/>
+          </p:cNvSpPr>
+          <p:nvPr>
+            <p:ph type="sldNum" sz="quarter" idx="12"/>
+          </p:nvPr>
+        </p:nvSpPr>
+        <p:spPr/>
+        <p:txBody>
+          <a:bodyPr/>
+          <a:lstStyle/>
+          <a:p>
+            <a:fld id="{9DFB581A-65C8-4375-9517-CFE74469FC48}" type="slidenum">
+              <a:rPr lang="ru-RU" smtClean="0"/>
+              <a:t>15</a:t>
+            </a:fld>
+            <a:endParaRPr lang="ru-RU"/>
+          </a:p>
+        </p:txBody>
+      </p:sp>
     </p:spTree>
     <p:extLst>
       <p:ext uri="{BB962C8B-B14F-4D97-AF65-F5344CB8AC3E}">
@@ -3510,10 +4547,17 @@
   <p:clrMapOvr>
     <a:masterClrMapping/>
   </p:clrMapOvr>
+  <p:timing>
+    <p:tnLst>
+      <p:par>
+        <p:cTn id="1" dur="indefinite" restart="never" nodeType="tmRoot"/>
+      </p:par>
+    </p:tnLst>
+  </p:timing>
 </p:sld>
 </file>
 
-<file path=ppt/slides/slide14.xml><?xml version="1.0" encoding="utf-8"?>
+<file path=ppt/slides/slide16.xml><?xml version="1.0" encoding="utf-8"?>
 <p:sld xmlns:a="http://schemas.openxmlformats.org/drawingml/2006/main" xmlns:r="http://schemas.openxmlformats.org/officeDocument/2006/relationships" xmlns:p="http://schemas.openxmlformats.org/presentationml/2006/main">
   <p:cSld>
     <p:spTree>
@@ -3742,6 +4786,29 @@
           </a:p>
         </p:txBody>
       </p:sp>
+      <p:sp>
+        <p:nvSpPr>
+          <p:cNvPr id="3" name="Номер слайда 2"/>
+          <p:cNvSpPr>
+            <a:spLocks noGrp="1"/>
+          </p:cNvSpPr>
+          <p:nvPr>
+            <p:ph type="sldNum" sz="quarter" idx="12"/>
+          </p:nvPr>
+        </p:nvSpPr>
+        <p:spPr/>
+        <p:txBody>
+          <a:bodyPr/>
+          <a:lstStyle/>
+          <a:p>
+            <a:fld id="{9DFB581A-65C8-4375-9517-CFE74469FC48}" type="slidenum">
+              <a:rPr lang="ru-RU" smtClean="0"/>
+              <a:t>16</a:t>
+            </a:fld>
+            <a:endParaRPr lang="ru-RU"/>
+          </a:p>
+        </p:txBody>
+      </p:sp>
     </p:spTree>
     <p:extLst>
       <p:ext uri="{BB962C8B-B14F-4D97-AF65-F5344CB8AC3E}">
@@ -3752,10 +4819,17 @@
   <p:clrMapOvr>
     <a:masterClrMapping/>
   </p:clrMapOvr>
+  <p:timing>
+    <p:tnLst>
+      <p:par>
+        <p:cTn id="1" dur="indefinite" restart="never" nodeType="tmRoot"/>
+      </p:par>
+    </p:tnLst>
+  </p:timing>
 </p:sld>
 </file>
 
-<file path=ppt/slides/slide15.xml><?xml version="1.0" encoding="utf-8"?>
+<file path=ppt/slides/slide17.xml><?xml version="1.0" encoding="utf-8"?>
 <p:sld xmlns:a="http://schemas.openxmlformats.org/drawingml/2006/main" xmlns:r="http://schemas.openxmlformats.org/officeDocument/2006/relationships" xmlns:p="http://schemas.openxmlformats.org/presentationml/2006/main">
   <p:cSld>
     <p:spTree>
@@ -3942,6 +5016,29 @@
           </a:p>
         </p:txBody>
       </p:sp>
+      <p:sp>
+        <p:nvSpPr>
+          <p:cNvPr id="3" name="Номер слайда 2"/>
+          <p:cNvSpPr>
+            <a:spLocks noGrp="1"/>
+          </p:cNvSpPr>
+          <p:nvPr>
+            <p:ph type="sldNum" sz="quarter" idx="12"/>
+          </p:nvPr>
+        </p:nvSpPr>
+        <p:spPr/>
+        <p:txBody>
+          <a:bodyPr/>
+          <a:lstStyle/>
+          <a:p>
+            <a:fld id="{9DFB581A-65C8-4375-9517-CFE74469FC48}" type="slidenum">
+              <a:rPr lang="ru-RU" smtClean="0"/>
+              <a:t>17</a:t>
+            </a:fld>
+            <a:endParaRPr lang="ru-RU"/>
+          </a:p>
+        </p:txBody>
+      </p:sp>
     </p:spTree>
     <p:extLst>
       <p:ext uri="{BB962C8B-B14F-4D97-AF65-F5344CB8AC3E}">
@@ -3952,10 +5049,17 @@
   <p:clrMapOvr>
     <a:masterClrMapping/>
   </p:clrMapOvr>
+  <p:timing>
+    <p:tnLst>
+      <p:par>
+        <p:cTn id="1" dur="indefinite" restart="never" nodeType="tmRoot"/>
+      </p:par>
+    </p:tnLst>
+  </p:timing>
 </p:sld>
 </file>
 
-<file path=ppt/slides/slide16.xml><?xml version="1.0" encoding="utf-8"?>
+<file path=ppt/slides/slide18.xml><?xml version="1.0" encoding="utf-8"?>
 <p:sld xmlns:a="http://schemas.openxmlformats.org/drawingml/2006/main" xmlns:r="http://schemas.openxmlformats.org/officeDocument/2006/relationships" xmlns:p="http://schemas.openxmlformats.org/presentationml/2006/main">
   <p:cSld>
     <p:spTree>
@@ -3979,6 +5083,97 @@
             <a:spLocks noGrp="1"/>
           </p:cNvSpPr>
           <p:nvPr>
+            <p:ph type="title"/>
+          </p:nvPr>
+        </p:nvSpPr>
+        <p:spPr>
+          <a:xfrm>
+            <a:off x="838200" y="365124"/>
+            <a:ext cx="10515600" cy="5991225"/>
+          </a:xfrm>
+        </p:spPr>
+        <p:txBody>
+          <a:bodyPr>
+            <a:normAutofit/>
+          </a:bodyPr>
+          <a:lstStyle/>
+          <a:p>
+            <a:pPr algn="ctr"/>
+            <a:r>
+              <a:rPr lang="ru-RU" sz="7200" dirty="0" smtClean="0"/>
+              <a:t>Заключение</a:t>
+            </a:r>
+            <a:endParaRPr lang="ru-RU" sz="7200" dirty="0"/>
+          </a:p>
+        </p:txBody>
+      </p:sp>
+      <p:sp>
+        <p:nvSpPr>
+          <p:cNvPr id="4" name="Номер слайда 3"/>
+          <p:cNvSpPr>
+            <a:spLocks noGrp="1"/>
+          </p:cNvSpPr>
+          <p:nvPr>
+            <p:ph type="sldNum" sz="quarter" idx="12"/>
+          </p:nvPr>
+        </p:nvSpPr>
+        <p:spPr/>
+        <p:txBody>
+          <a:bodyPr/>
+          <a:lstStyle/>
+          <a:p>
+            <a:fld id="{9DFB581A-65C8-4375-9517-CFE74469FC48}" type="slidenum">
+              <a:rPr lang="ru-RU" smtClean="0"/>
+              <a:t>18</a:t>
+            </a:fld>
+            <a:endParaRPr lang="ru-RU"/>
+          </a:p>
+        </p:txBody>
+      </p:sp>
+    </p:spTree>
+    <p:extLst>
+      <p:ext uri="{BB962C8B-B14F-4D97-AF65-F5344CB8AC3E}">
+        <p14:creationId xmlns:p14="http://schemas.microsoft.com/office/powerpoint/2010/main" val="1539734458"/>
+      </p:ext>
+    </p:extLst>
+  </p:cSld>
+  <p:clrMapOvr>
+    <a:masterClrMapping/>
+  </p:clrMapOvr>
+  <p:timing>
+    <p:tnLst>
+      <p:par>
+        <p:cTn id="1" dur="indefinite" restart="never" nodeType="tmRoot"/>
+      </p:par>
+    </p:tnLst>
+  </p:timing>
+</p:sld>
+</file>
+
+<file path=ppt/slides/slide19.xml><?xml version="1.0" encoding="utf-8"?>
+<p:sld xmlns:a="http://schemas.openxmlformats.org/drawingml/2006/main" xmlns:r="http://schemas.openxmlformats.org/officeDocument/2006/relationships" xmlns:p="http://schemas.openxmlformats.org/presentationml/2006/main">
+  <p:cSld>
+    <p:spTree>
+      <p:nvGrpSpPr>
+        <p:cNvPr id="1" name=""/>
+        <p:cNvGrpSpPr/>
+        <p:nvPr/>
+      </p:nvGrpSpPr>
+      <p:grpSpPr>
+        <a:xfrm>
+          <a:off x="0" y="0"/>
+          <a:ext cx="0" cy="0"/>
+          <a:chOff x="0" y="0"/>
+          <a:chExt cx="0" cy="0"/>
+        </a:xfrm>
+      </p:grpSpPr>
+      <p:sp>
+        <p:nvSpPr>
+          <p:cNvPr id="2" name="Заголовок 1"/>
+          <p:cNvSpPr>
+            <a:spLocks noGrp="1"/>
+          </p:cNvSpPr>
+          <p:nvPr>
             <p:ph type="ctrTitle"/>
           </p:nvPr>
         </p:nvSpPr>
@@ -3997,12 +5192,12 @@
       </p:sp>
       <p:sp>
         <p:nvSpPr>
-          <p:cNvPr id="3" name="Подзаголовок 2"/>
-          <p:cNvSpPr>
-            <a:spLocks noGrp="1"/>
-          </p:cNvSpPr>
-          <p:nvPr>
-            <p:ph type="subTitle" idx="1"/>
+          <p:cNvPr id="5" name="Номер слайда 4"/>
+          <p:cNvSpPr>
+            <a:spLocks noGrp="1"/>
+          </p:cNvSpPr>
+          <p:nvPr>
+            <p:ph type="sldNum" sz="quarter" idx="12"/>
           </p:nvPr>
         </p:nvSpPr>
         <p:spPr/>
@@ -4010,6 +5205,10 @@
           <a:bodyPr/>
           <a:lstStyle/>
           <a:p>
+            <a:fld id="{9DFB581A-65C8-4375-9517-CFE74469FC48}" type="slidenum">
+              <a:rPr lang="ru-RU" smtClean="0"/>
+              <a:t>19</a:t>
+            </a:fld>
             <a:endParaRPr lang="ru-RU"/>
           </a:p>
         </p:txBody>
@@ -4024,6 +5223,13 @@
   <p:clrMapOvr>
     <a:masterClrMapping/>
   </p:clrMapOvr>
+  <p:timing>
+    <p:tnLst>
+      <p:par>
+        <p:cTn id="1" dur="indefinite" restart="never" nodeType="tmRoot"/>
+      </p:par>
+    </p:tnLst>
+  </p:timing>
 </p:sld>
 </file>
 
@@ -4133,6 +5339,29 @@
             <a:endParaRPr lang="ru-RU" dirty="0" smtClean="0"/>
           </a:p>
           <a:p>
+            <a:endParaRPr lang="ru-RU" dirty="0"/>
+          </a:p>
+        </p:txBody>
+      </p:sp>
+      <p:sp>
+        <p:nvSpPr>
+          <p:cNvPr id="4" name="Номер слайда 3"/>
+          <p:cNvSpPr>
+            <a:spLocks noGrp="1"/>
+          </p:cNvSpPr>
+          <p:nvPr>
+            <p:ph type="sldNum" sz="quarter" idx="12"/>
+          </p:nvPr>
+        </p:nvSpPr>
+        <p:spPr/>
+        <p:txBody>
+          <a:bodyPr/>
+          <a:lstStyle/>
+          <a:p>
+            <a:fld id="{9DFB581A-65C8-4375-9517-CFE74469FC48}" type="slidenum">
+              <a:rPr lang="ru-RU" smtClean="0"/>
+              <a:t>2</a:t>
+            </a:fld>
             <a:endParaRPr lang="ru-RU" dirty="0"/>
           </a:p>
         </p:txBody>
@@ -4184,9 +5413,16 @@
             <p:ph type="title"/>
           </p:nvPr>
         </p:nvSpPr>
-        <p:spPr/>
-        <p:txBody>
-          <a:bodyPr/>
+        <p:spPr>
+          <a:xfrm>
+            <a:off x="601980" y="103868"/>
+            <a:ext cx="10988039" cy="693379"/>
+          </a:xfrm>
+        </p:spPr>
+        <p:txBody>
+          <a:bodyPr>
+            <a:normAutofit fontScale="90000"/>
+          </a:bodyPr>
           <a:lstStyle/>
           <a:p>
             <a:pPr algn="ctr"/>
@@ -4222,8 +5458,8 @@
         </p:blipFill>
         <p:spPr>
           <a:xfrm>
-            <a:off x="3303216" y="1825625"/>
-            <a:ext cx="5585568" cy="4351338"/>
+            <a:off x="2194560" y="931085"/>
+            <a:ext cx="7242864" cy="5642425"/>
           </a:xfrm>
         </p:spPr>
       </p:pic>
@@ -4235,7 +5471,7 @@
         </p:nvSpPr>
         <p:spPr>
           <a:xfrm>
-            <a:off x="3595732" y="6050290"/>
+            <a:off x="3595731" y="6050290"/>
             <a:ext cx="5000536" cy="523220"/>
           </a:xfrm>
           <a:prstGeom prst="rect">
@@ -4254,6 +5490,29 @@
               <a:t>Диаграмма сущностей и связей</a:t>
             </a:r>
             <a:endParaRPr lang="ru-RU" sz="2800" dirty="0"/>
+          </a:p>
+        </p:txBody>
+      </p:sp>
+      <p:sp>
+        <p:nvSpPr>
+          <p:cNvPr id="3" name="Номер слайда 2"/>
+          <p:cNvSpPr>
+            <a:spLocks noGrp="1"/>
+          </p:cNvSpPr>
+          <p:nvPr>
+            <p:ph type="sldNum" sz="quarter" idx="12"/>
+          </p:nvPr>
+        </p:nvSpPr>
+        <p:spPr/>
+        <p:txBody>
+          <a:bodyPr/>
+          <a:lstStyle/>
+          <a:p>
+            <a:fld id="{9DFB581A-65C8-4375-9517-CFE74469FC48}" type="slidenum">
+              <a:rPr lang="ru-RU" smtClean="0"/>
+              <a:t>3</a:t>
+            </a:fld>
+            <a:endParaRPr lang="ru-RU" dirty="0"/>
           </a:p>
         </p:txBody>
       </p:sp>
@@ -4267,6 +5526,13 @@
   <p:clrMapOvr>
     <a:masterClrMapping/>
   </p:clrMapOvr>
+  <p:timing>
+    <p:tnLst>
+      <p:par>
+        <p:cTn id="1" dur="indefinite" restart="never" nodeType="tmRoot"/>
+      </p:par>
+    </p:tnLst>
+  </p:timing>
 </p:sld>
 </file>
 
@@ -4299,8 +5565,8 @@
         </p:nvSpPr>
         <p:spPr>
           <a:xfrm>
-            <a:off x="838200" y="365125"/>
-            <a:ext cx="10515600" cy="941161"/>
+            <a:off x="6844936" y="149922"/>
+            <a:ext cx="5275307" cy="941161"/>
           </a:xfrm>
         </p:spPr>
         <p:txBody>
@@ -4318,65 +5584,83 @@
           </a:p>
         </p:txBody>
       </p:sp>
+      <p:sp>
+        <p:nvSpPr>
+          <p:cNvPr id="9" name="TextBox 8"/>
+          <p:cNvSpPr txBox="1"/>
+          <p:nvPr/>
+        </p:nvSpPr>
+        <p:spPr>
+          <a:xfrm>
+            <a:off x="8610600" y="5373732"/>
+            <a:ext cx="2573846" cy="461665"/>
+          </a:xfrm>
+          <a:prstGeom prst="rect">
+            <a:avLst/>
+          </a:prstGeom>
+          <a:noFill/>
+        </p:spPr>
+        <p:txBody>
+          <a:bodyPr wrap="none" rtlCol="0">
+            <a:spAutoFit/>
+          </a:bodyPr>
+          <a:lstStyle/>
+          <a:p>
+            <a:r>
+              <a:rPr lang="ru-RU" sz="2400" dirty="0" smtClean="0"/>
+              <a:t>Доменные классы</a:t>
+            </a:r>
+            <a:endParaRPr lang="ru-RU" sz="2400" dirty="0"/>
+          </a:p>
+        </p:txBody>
+      </p:sp>
+      <p:sp>
+        <p:nvSpPr>
+          <p:cNvPr id="3" name="Номер слайда 2"/>
+          <p:cNvSpPr>
+            <a:spLocks noGrp="1"/>
+          </p:cNvSpPr>
+          <p:nvPr>
+            <p:ph type="sldNum" sz="quarter" idx="12"/>
+          </p:nvPr>
+        </p:nvSpPr>
+        <p:spPr/>
+        <p:txBody>
+          <a:bodyPr/>
+          <a:lstStyle/>
+          <a:p>
+            <a:fld id="{9DFB581A-65C8-4375-9517-CFE74469FC48}" type="slidenum">
+              <a:rPr lang="ru-RU" smtClean="0"/>
+              <a:t>4</a:t>
+            </a:fld>
+            <a:endParaRPr lang="ru-RU" dirty="0"/>
+          </a:p>
+        </p:txBody>
+      </p:sp>
       <p:pic>
         <p:nvPicPr>
-          <p:cNvPr id="8" name="Объект 7"/>
+          <p:cNvPr id="5" name="Рисунок 4"/>
           <p:cNvPicPr>
-            <a:picLocks noGrp="1" noChangeAspect="1"/>
+            <a:picLocks noChangeAspect="1"/>
           </p:cNvPicPr>
-          <p:nvPr>
-            <p:ph idx="1"/>
-          </p:nvPr>
+          <p:nvPr/>
         </p:nvPicPr>
         <p:blipFill>
-          <a:blip r:embed="rId2">
-            <a:extLst>
-              <a:ext uri="{28A0092B-C50C-407E-A947-70E740481C1C}">
-                <a14:useLocalDpi xmlns:a14="http://schemas.microsoft.com/office/drawing/2010/main" val="0"/>
-              </a:ext>
-            </a:extLst>
-          </a:blip>
+          <a:blip r:embed="rId2"/>
           <a:stretch>
             <a:fillRect/>
           </a:stretch>
         </p:blipFill>
         <p:spPr>
           <a:xfrm>
-            <a:off x="3370258" y="1151613"/>
-            <a:ext cx="5451483" cy="5547864"/>
-          </a:xfrm>
-        </p:spPr>
-      </p:pic>
-      <p:sp>
-        <p:nvSpPr>
-          <p:cNvPr id="9" name="TextBox 8"/>
-          <p:cNvSpPr txBox="1"/>
-          <p:nvPr/>
-        </p:nvSpPr>
-        <p:spPr>
-          <a:xfrm>
-            <a:off x="9376783" y="6217919"/>
-            <a:ext cx="1977016" cy="369332"/>
+            <a:off x="548640" y="149922"/>
+            <a:ext cx="7040880" cy="6638065"/>
           </a:xfrm>
           <a:prstGeom prst="rect">
             <a:avLst/>
           </a:prstGeom>
-          <a:noFill/>
-        </p:spPr>
-        <p:txBody>
-          <a:bodyPr wrap="none" rtlCol="0">
-            <a:spAutoFit/>
-          </a:bodyPr>
-          <a:lstStyle/>
-          <a:p>
-            <a:r>
-              <a:rPr lang="ru-RU" dirty="0" smtClean="0"/>
-              <a:t>Доменные классы</a:t>
-            </a:r>
-            <a:endParaRPr lang="ru-RU" dirty="0"/>
-          </a:p>
-        </p:txBody>
-      </p:sp>
+        </p:spPr>
+      </p:pic>
     </p:spTree>
     <p:extLst>
       <p:ext uri="{BB962C8B-B14F-4D97-AF65-F5344CB8AC3E}">
@@ -4438,8 +5722,12 @@
           <a:p>
             <a:pPr algn="ctr"/>
             <a:r>
+              <a:rPr lang="en-US" sz="3600" dirty="0" smtClean="0"/>
+              <a:t>USE CASE </a:t>
+            </a:r>
+            <a:r>
               <a:rPr lang="ru-RU" sz="3600" dirty="0" smtClean="0"/>
-              <a:t>Проектирование методов действий контроллеров</a:t>
+              <a:t>диаграмма приложения</a:t>
             </a:r>
             <a:endParaRPr lang="ru-RU" sz="3600" dirty="0"/>
           </a:p>
@@ -4474,6 +5762,29 @@
           </a:xfrm>
         </p:spPr>
       </p:pic>
+      <p:sp>
+        <p:nvSpPr>
+          <p:cNvPr id="3" name="Номер слайда 2"/>
+          <p:cNvSpPr>
+            <a:spLocks noGrp="1"/>
+          </p:cNvSpPr>
+          <p:nvPr>
+            <p:ph type="sldNum" sz="quarter" idx="12"/>
+          </p:nvPr>
+        </p:nvSpPr>
+        <p:spPr/>
+        <p:txBody>
+          <a:bodyPr/>
+          <a:lstStyle/>
+          <a:p>
+            <a:fld id="{9DFB581A-65C8-4375-9517-CFE74469FC48}" type="slidenum">
+              <a:rPr lang="ru-RU" smtClean="0"/>
+              <a:t>5</a:t>
+            </a:fld>
+            <a:endParaRPr lang="ru-RU" dirty="0"/>
+          </a:p>
+        </p:txBody>
+      </p:sp>
     </p:spTree>
     <p:extLst>
       <p:ext uri="{BB962C8B-B14F-4D97-AF65-F5344CB8AC3E}">
@@ -4523,136 +5834,302 @@
         </p:nvSpPr>
         <p:spPr>
           <a:xfrm>
-            <a:off x="838200" y="365125"/>
-            <a:ext cx="10515600" cy="752475"/>
-          </a:xfrm>
-        </p:spPr>
-        <p:txBody>
-          <a:bodyPr/>
-          <a:lstStyle/>
-          <a:p>
-            <a:pPr algn="ctr" fontAlgn="base"/>
-            <a:r>
-              <a:rPr lang="ru-RU" b="1" dirty="0"/>
-              <a:t>Настройка контейнера </a:t>
-            </a:r>
-            <a:r>
-              <a:rPr lang="en-US" b="1" dirty="0"/>
-              <a:t>DI</a:t>
-            </a:r>
-          </a:p>
-        </p:txBody>
-      </p:sp>
-      <p:sp>
-        <p:nvSpPr>
-          <p:cNvPr id="3" name="Объект 2"/>
-          <p:cNvSpPr>
-            <a:spLocks noGrp="1"/>
-          </p:cNvSpPr>
-          <p:nvPr>
-            <p:ph idx="1"/>
-          </p:nvPr>
-        </p:nvSpPr>
-        <p:spPr>
-          <a:xfrm>
-            <a:off x="838200" y="1117600"/>
-            <a:ext cx="10515600" cy="5442857"/>
-          </a:xfrm>
-        </p:spPr>
-        <p:txBody>
-          <a:bodyPr>
-            <a:normAutofit/>
-          </a:bodyPr>
-          <a:lstStyle/>
-          <a:p>
-            <a:pPr marL="0" indent="0" algn="ctr">
-              <a:buNone/>
-            </a:pPr>
-            <a:r>
-              <a:rPr lang="ru-RU" dirty="0"/>
-              <a:t>Обеспечение работы базовой функциональности </a:t>
-            </a:r>
-            <a:r>
-              <a:rPr lang="en-US" dirty="0" err="1" smtClean="0"/>
-              <a:t>Ninject</a:t>
-            </a:r>
-            <a:endParaRPr lang="en-US" dirty="0" smtClean="0"/>
-          </a:p>
-          <a:p>
-            <a:pPr marL="0" indent="0">
-              <a:buNone/>
-            </a:pPr>
-            <a:endParaRPr lang="ru-RU" dirty="0" smtClean="0"/>
-          </a:p>
-          <a:p>
-            <a:pPr marL="457200" lvl="1" indent="0">
-              <a:buNone/>
-            </a:pPr>
-            <a:r>
-              <a:rPr lang="ru-RU" sz="2000" i="1" dirty="0" smtClean="0"/>
-              <a:t>Не понимаю </a:t>
-            </a:r>
-          </a:p>
-          <a:p>
-            <a:pPr marL="457200" lvl="1" indent="0">
-              <a:buNone/>
-            </a:pPr>
-            <a:r>
-              <a:rPr lang="ru-RU" sz="2000" i="1" dirty="0" smtClean="0"/>
-              <a:t>что вставить</a:t>
-            </a:r>
-            <a:endParaRPr lang="en-US" sz="2000" i="1" dirty="0"/>
+            <a:off x="838200" y="365126"/>
+            <a:ext cx="10515600" cy="784406"/>
+          </a:xfrm>
+        </p:spPr>
+        <p:txBody>
+          <a:bodyPr/>
+          <a:lstStyle/>
+          <a:p>
+            <a:pPr algn="ctr"/>
+            <a:r>
+              <a:rPr lang="ru-RU" dirty="0" smtClean="0"/>
+              <a:t>Внедрение зависимостей</a:t>
+            </a:r>
+            <a:endParaRPr lang="ru-RU" dirty="0"/>
+          </a:p>
+        </p:txBody>
+      </p:sp>
+      <p:sp>
+        <p:nvSpPr>
+          <p:cNvPr id="4" name="Номер слайда 3"/>
+          <p:cNvSpPr>
+            <a:spLocks noGrp="1"/>
+          </p:cNvSpPr>
+          <p:nvPr>
+            <p:ph type="sldNum" sz="quarter" idx="12"/>
+          </p:nvPr>
+        </p:nvSpPr>
+        <p:spPr/>
+        <p:txBody>
+          <a:bodyPr/>
+          <a:lstStyle/>
+          <a:p>
+            <a:fld id="{9DFB581A-65C8-4375-9517-CFE74469FC48}" type="slidenum">
+              <a:rPr lang="ru-RU" smtClean="0"/>
+              <a:t>6</a:t>
+            </a:fld>
+            <a:endParaRPr lang="ru-RU"/>
           </a:p>
         </p:txBody>
       </p:sp>
       <p:pic>
         <p:nvPicPr>
-          <p:cNvPr id="6" name="Рисунок 5"/>
+          <p:cNvPr id="5" name="Рисунок 4"/>
           <p:cNvPicPr>
             <a:picLocks noChangeAspect="1"/>
           </p:cNvPicPr>
           <p:nvPr/>
         </p:nvPicPr>
         <p:blipFill>
-          <a:blip r:embed="rId2"/>
+          <a:blip r:embed="rId2">
+            <a:extLst>
+              <a:ext uri="{28A0092B-C50C-407E-A947-70E740481C1C}">
+                <a14:useLocalDpi xmlns:a14="http://schemas.microsoft.com/office/drawing/2010/main" val="0"/>
+              </a:ext>
+            </a:extLst>
+          </a:blip>
           <a:stretch>
             <a:fillRect/>
           </a:stretch>
         </p:blipFill>
         <p:spPr>
           <a:xfrm>
-            <a:off x="4081462" y="1996394"/>
-            <a:ext cx="4029075" cy="1152525"/>
+            <a:off x="2764971" y="1492924"/>
+            <a:ext cx="6662057" cy="4520033"/>
           </a:xfrm>
           <a:prstGeom prst="rect">
             <a:avLst/>
           </a:prstGeom>
         </p:spPr>
       </p:pic>
+    </p:spTree>
+    <p:extLst>
+      <p:ext uri="{BB962C8B-B14F-4D97-AF65-F5344CB8AC3E}">
+        <p14:creationId xmlns:p14="http://schemas.microsoft.com/office/powerpoint/2010/main" val="2015761421"/>
+      </p:ext>
+    </p:extLst>
+  </p:cSld>
+  <p:clrMapOvr>
+    <a:masterClrMapping/>
+  </p:clrMapOvr>
+  <p:timing>
+    <p:tnLst>
+      <p:par>
+        <p:cTn id="1" dur="indefinite" restart="never" nodeType="tmRoot"/>
+      </p:par>
+    </p:tnLst>
+  </p:timing>
+</p:sld>
+</file>
+
+<file path=ppt/slides/slide7.xml><?xml version="1.0" encoding="utf-8"?>
+<p:sld xmlns:a="http://schemas.openxmlformats.org/drawingml/2006/main" xmlns:r="http://schemas.openxmlformats.org/officeDocument/2006/relationships" xmlns:p="http://schemas.openxmlformats.org/presentationml/2006/main">
+  <p:cSld>
+    <p:spTree>
+      <p:nvGrpSpPr>
+        <p:cNvPr id="1" name=""/>
+        <p:cNvGrpSpPr/>
+        <p:nvPr/>
+      </p:nvGrpSpPr>
+      <p:grpSpPr>
+        <a:xfrm>
+          <a:off x="0" y="0"/>
+          <a:ext cx="0" cy="0"/>
+          <a:chOff x="0" y="0"/>
+          <a:chExt cx="0" cy="0"/>
+        </a:xfrm>
+      </p:grpSpPr>
+      <p:sp>
+        <p:nvSpPr>
+          <p:cNvPr id="2" name="Заголовок 1"/>
+          <p:cNvSpPr>
+            <a:spLocks noGrp="1"/>
+          </p:cNvSpPr>
+          <p:nvPr>
+            <p:ph type="title"/>
+          </p:nvPr>
+        </p:nvSpPr>
+        <p:spPr>
+          <a:xfrm>
+            <a:off x="838200" y="365125"/>
+            <a:ext cx="10515600" cy="752475"/>
+          </a:xfrm>
+        </p:spPr>
+        <p:txBody>
+          <a:bodyPr/>
+          <a:lstStyle/>
+          <a:p>
+            <a:pPr algn="ctr" fontAlgn="base"/>
+            <a:r>
+              <a:rPr lang="ru-RU" b="1" dirty="0"/>
+              <a:t>Настройка контейнера </a:t>
+            </a:r>
+            <a:r>
+              <a:rPr lang="en-US" b="1" dirty="0"/>
+              <a:t>DI</a:t>
+            </a:r>
+          </a:p>
+        </p:txBody>
+      </p:sp>
+      <p:sp>
+        <p:nvSpPr>
+          <p:cNvPr id="3" name="Объект 2"/>
+          <p:cNvSpPr>
+            <a:spLocks noGrp="1"/>
+          </p:cNvSpPr>
+          <p:nvPr>
+            <p:ph idx="1"/>
+          </p:nvPr>
+        </p:nvSpPr>
+        <p:spPr>
+          <a:xfrm>
+            <a:off x="838200" y="1117600"/>
+            <a:ext cx="10515600" cy="515257"/>
+          </a:xfrm>
+        </p:spPr>
+        <p:txBody>
+          <a:bodyPr>
+            <a:normAutofit/>
+          </a:bodyPr>
+          <a:lstStyle/>
+          <a:p>
+            <a:pPr marL="0" indent="0" algn="ctr">
+              <a:buNone/>
+            </a:pPr>
+            <a:r>
+              <a:rPr lang="ru-RU" dirty="0"/>
+              <a:t>Обеспечение работы базовой функциональности </a:t>
+            </a:r>
+            <a:r>
+              <a:rPr lang="en-US" dirty="0" err="1" smtClean="0"/>
+              <a:t>Ninject</a:t>
+            </a:r>
+            <a:endParaRPr lang="en-US" dirty="0" smtClean="0"/>
+          </a:p>
+          <a:p>
+            <a:pPr marL="0" indent="0">
+              <a:buNone/>
+            </a:pPr>
+            <a:endParaRPr lang="ru-RU" dirty="0" smtClean="0"/>
+          </a:p>
+        </p:txBody>
+      </p:sp>
       <p:pic>
         <p:nvPicPr>
-          <p:cNvPr id="7" name="Рисунок 6"/>
+          <p:cNvPr id="1026" name="Picture 2" descr="E:\Dima\image_thumb.png"/>
           <p:cNvPicPr>
-            <a:picLocks noChangeAspect="1"/>
+            <a:picLocks noChangeAspect="1" noChangeArrowheads="1"/>
           </p:cNvPicPr>
           <p:nvPr/>
         </p:nvPicPr>
         <p:blipFill>
-          <a:blip r:embed="rId3"/>
+          <a:blip r:embed="rId2">
+            <a:extLst>
+              <a:ext uri="{28A0092B-C50C-407E-A947-70E740481C1C}">
+                <a14:useLocalDpi xmlns:a14="http://schemas.microsoft.com/office/drawing/2010/main" val="0"/>
+              </a:ext>
+            </a:extLst>
+          </a:blip>
+          <a:srcRect/>
           <a:stretch>
             <a:fillRect/>
           </a:stretch>
         </p:blipFill>
-        <p:spPr>
-          <a:xfrm>
-            <a:off x="3800474" y="3706925"/>
-            <a:ext cx="4591050" cy="2295525"/>
+        <p:spPr bwMode="auto">
+          <a:xfrm>
+            <a:off x="3054120" y="2373536"/>
+            <a:ext cx="5959475" cy="3224213"/>
           </a:xfrm>
           <a:prstGeom prst="rect">
             <a:avLst/>
           </a:prstGeom>
+          <a:noFill/>
+          <a:extLst>
+            <a:ext uri="{909E8E84-426E-40DD-AFC4-6F175D3DCCD1}">
+              <a14:hiddenFill xmlns:a14="http://schemas.microsoft.com/office/drawing/2010/main">
+                <a:solidFill>
+                  <a:srgbClr val="FFFFFF"/>
+                </a:solidFill>
+              </a14:hiddenFill>
+            </a:ext>
+          </a:extLst>
         </p:spPr>
       </p:pic>
+      <p:sp>
+        <p:nvSpPr>
+          <p:cNvPr id="5" name="Стрелка вправо 4"/>
+          <p:cNvSpPr/>
+          <p:nvPr/>
+        </p:nvSpPr>
+        <p:spPr>
+          <a:xfrm rot="19784890">
+            <a:off x="5347607" y="4049486"/>
+            <a:ext cx="644979" cy="163285"/>
+          </a:xfrm>
+          <a:prstGeom prst="rightArrow">
+            <a:avLst/>
+          </a:prstGeom>
+          <a:noFill/>
+          <a:ln>
+            <a:solidFill>
+              <a:schemeClr val="tx1"/>
+            </a:solidFill>
+          </a:ln>
+        </p:spPr>
+        <p:style>
+          <a:lnRef idx="2">
+            <a:schemeClr val="accent1">
+              <a:shade val="50000"/>
+            </a:schemeClr>
+          </a:lnRef>
+          <a:fillRef idx="1">
+            <a:schemeClr val="accent1"/>
+          </a:fillRef>
+          <a:effectRef idx="0">
+            <a:schemeClr val="accent1"/>
+          </a:effectRef>
+          <a:fontRef idx="minor">
+            <a:schemeClr val="lt1"/>
+          </a:fontRef>
+        </p:style>
+        <p:txBody>
+          <a:bodyPr rtlCol="0" anchor="ctr"/>
+          <a:lstStyle/>
+          <a:p>
+            <a:pPr algn="ctr"/>
+            <a:endParaRPr lang="ru-RU">
+              <a:solidFill>
+                <a:schemeClr val="tx1"/>
+              </a:solidFill>
+            </a:endParaRPr>
+          </a:p>
+        </p:txBody>
+      </p:sp>
+      <p:sp>
+        <p:nvSpPr>
+          <p:cNvPr id="4" name="Номер слайда 3"/>
+          <p:cNvSpPr>
+            <a:spLocks noGrp="1"/>
+          </p:cNvSpPr>
+          <p:nvPr>
+            <p:ph type="sldNum" sz="quarter" idx="12"/>
+          </p:nvPr>
+        </p:nvSpPr>
+        <p:spPr/>
+        <p:txBody>
+          <a:bodyPr/>
+          <a:lstStyle/>
+          <a:p>
+            <a:fld id="{9DFB581A-65C8-4375-9517-CFE74469FC48}" type="slidenum">
+              <a:rPr lang="ru-RU" smtClean="0"/>
+              <a:t>7</a:t>
+            </a:fld>
+            <a:endParaRPr lang="ru-RU" dirty="0"/>
+          </a:p>
+        </p:txBody>
+      </p:sp>
     </p:spTree>
     <p:extLst>
       <p:ext uri="{BB962C8B-B14F-4D97-AF65-F5344CB8AC3E}">
@@ -4673,7 +6150,7 @@
 </p:sld>
 </file>
 
-<file path=ppt/slides/slide7.xml><?xml version="1.0" encoding="utf-8"?>
+<file path=ppt/slides/slide8.xml><?xml version="1.0" encoding="utf-8"?>
 <p:sld xmlns:a="http://schemas.openxmlformats.org/drawingml/2006/main" xmlns:r="http://schemas.openxmlformats.org/officeDocument/2006/relationships" xmlns:p="http://schemas.openxmlformats.org/presentationml/2006/main">
   <p:cSld>
     <p:spTree>
@@ -4959,98 +6436,33 @@
           </a:fontRef>
         </p:style>
       </p:cxnSp>
+      <p:sp>
+        <p:nvSpPr>
+          <p:cNvPr id="3" name="Номер слайда 2"/>
+          <p:cNvSpPr>
+            <a:spLocks noGrp="1"/>
+          </p:cNvSpPr>
+          <p:nvPr>
+            <p:ph type="sldNum" sz="quarter" idx="12"/>
+          </p:nvPr>
+        </p:nvSpPr>
+        <p:spPr/>
+        <p:txBody>
+          <a:bodyPr/>
+          <a:lstStyle/>
+          <a:p>
+            <a:fld id="{9DFB581A-65C8-4375-9517-CFE74469FC48}" type="slidenum">
+              <a:rPr lang="ru-RU" smtClean="0"/>
+              <a:t>8</a:t>
+            </a:fld>
+            <a:endParaRPr lang="ru-RU"/>
+          </a:p>
+        </p:txBody>
+      </p:sp>
     </p:spTree>
     <p:extLst>
       <p:ext uri="{BB962C8B-B14F-4D97-AF65-F5344CB8AC3E}">
         <p14:creationId xmlns:p14="http://schemas.microsoft.com/office/powerpoint/2010/main" val="1212541614"/>
-      </p:ext>
-    </p:extLst>
-  </p:cSld>
-  <p:clrMapOvr>
-    <a:masterClrMapping/>
-  </p:clrMapOvr>
-</p:sld>
-</file>
-
-<file path=ppt/slides/slide8.xml><?xml version="1.0" encoding="utf-8"?>
-<p:sld xmlns:a="http://schemas.openxmlformats.org/drawingml/2006/main" xmlns:r="http://schemas.openxmlformats.org/officeDocument/2006/relationships" xmlns:p="http://schemas.openxmlformats.org/presentationml/2006/main">
-  <p:cSld>
-    <p:spTree>
-      <p:nvGrpSpPr>
-        <p:cNvPr id="1" name=""/>
-        <p:cNvGrpSpPr/>
-        <p:nvPr/>
-      </p:nvGrpSpPr>
-      <p:grpSpPr>
-        <a:xfrm>
-          <a:off x="0" y="0"/>
-          <a:ext cx="0" cy="0"/>
-          <a:chOff x="0" y="0"/>
-          <a:chExt cx="0" cy="0"/>
-        </a:xfrm>
-      </p:grpSpPr>
-      <p:sp>
-        <p:nvSpPr>
-          <p:cNvPr id="2" name="Заголовок 1"/>
-          <p:cNvSpPr>
-            <a:spLocks noGrp="1"/>
-          </p:cNvSpPr>
-          <p:nvPr>
-            <p:ph type="title"/>
-          </p:nvPr>
-        </p:nvSpPr>
-        <p:spPr>
-          <a:xfrm>
-            <a:off x="838200" y="365126"/>
-            <a:ext cx="10515600" cy="708932"/>
-          </a:xfrm>
-        </p:spPr>
-        <p:txBody>
-          <a:bodyPr/>
-          <a:lstStyle/>
-          <a:p>
-            <a:pPr algn="ctr"/>
-            <a:r>
-              <a:rPr lang="ru-RU" dirty="0" smtClean="0"/>
-              <a:t>Платежная система</a:t>
-            </a:r>
-            <a:endParaRPr lang="ru-RU" dirty="0"/>
-          </a:p>
-        </p:txBody>
-      </p:sp>
-      <p:pic>
-        <p:nvPicPr>
-          <p:cNvPr id="4" name="Объект 3"/>
-          <p:cNvPicPr>
-            <a:picLocks noGrp="1" noChangeAspect="1"/>
-          </p:cNvPicPr>
-          <p:nvPr>
-            <p:ph idx="1"/>
-          </p:nvPr>
-        </p:nvPicPr>
-        <p:blipFill>
-          <a:blip r:embed="rId2">
-            <a:extLst>
-              <a:ext uri="{28A0092B-C50C-407E-A947-70E740481C1C}">
-                <a14:useLocalDpi xmlns:a14="http://schemas.microsoft.com/office/drawing/2010/main" val="0"/>
-              </a:ext>
-            </a:extLst>
-          </a:blip>
-          <a:stretch>
-            <a:fillRect/>
-          </a:stretch>
-        </p:blipFill>
-        <p:spPr>
-          <a:xfrm>
-            <a:off x="2075889" y="1484766"/>
-            <a:ext cx="8040222" cy="4220164"/>
-          </a:xfrm>
-        </p:spPr>
-      </p:pic>
-    </p:spTree>
-    <p:extLst>
-      <p:ext uri="{BB962C8B-B14F-4D97-AF65-F5344CB8AC3E}">
-        <p14:creationId xmlns:p14="http://schemas.microsoft.com/office/powerpoint/2010/main" val="1217870741"/>
       </p:ext>
     </p:extLst>
   </p:cSld>
@@ -5097,19 +6509,17 @@
         <p:spPr>
           <a:xfrm>
             <a:off x="838200" y="365126"/>
-            <a:ext cx="10515600" cy="621846"/>
-          </a:xfrm>
-        </p:spPr>
-        <p:txBody>
-          <a:bodyPr>
-            <a:normAutofit fontScale="90000"/>
-          </a:bodyPr>
+            <a:ext cx="10515600" cy="708932"/>
+          </a:xfrm>
+        </p:spPr>
+        <p:txBody>
+          <a:bodyPr/>
           <a:lstStyle/>
           <a:p>
             <a:pPr algn="ctr"/>
             <a:r>
               <a:rPr lang="ru-RU" dirty="0" smtClean="0"/>
-              <a:t>Покупка товара</a:t>
+              <a:t>Платежная система</a:t>
             </a:r>
             <a:endParaRPr lang="ru-RU" dirty="0"/>
           </a:p>
@@ -5117,7 +6527,7 @@
       </p:sp>
       <p:pic>
         <p:nvPicPr>
-          <p:cNvPr id="7" name="Объект 6"/>
+          <p:cNvPr id="4" name="Объект 3"/>
           <p:cNvPicPr>
             <a:picLocks noGrp="1" noChangeAspect="1"/>
           </p:cNvPicPr>
@@ -5139,15 +6549,38 @@
         </p:blipFill>
         <p:spPr>
           <a:xfrm>
-            <a:off x="838200" y="1965023"/>
-            <a:ext cx="10515600" cy="3491972"/>
+            <a:off x="2075889" y="1484766"/>
+            <a:ext cx="8040222" cy="4220164"/>
           </a:xfrm>
         </p:spPr>
       </p:pic>
+      <p:sp>
+        <p:nvSpPr>
+          <p:cNvPr id="3" name="Номер слайда 2"/>
+          <p:cNvSpPr>
+            <a:spLocks noGrp="1"/>
+          </p:cNvSpPr>
+          <p:nvPr>
+            <p:ph type="sldNum" sz="quarter" idx="12"/>
+          </p:nvPr>
+        </p:nvSpPr>
+        <p:spPr/>
+        <p:txBody>
+          <a:bodyPr/>
+          <a:lstStyle/>
+          <a:p>
+            <a:fld id="{9DFB581A-65C8-4375-9517-CFE74469FC48}" type="slidenum">
+              <a:rPr lang="ru-RU" smtClean="0"/>
+              <a:t>9</a:t>
+            </a:fld>
+            <a:endParaRPr lang="ru-RU"/>
+          </a:p>
+        </p:txBody>
+      </p:sp>
     </p:spTree>
     <p:extLst>
       <p:ext uri="{BB962C8B-B14F-4D97-AF65-F5344CB8AC3E}">
-        <p14:creationId xmlns:p14="http://schemas.microsoft.com/office/powerpoint/2010/main" val="3296908316"/>
+        <p14:creationId xmlns:p14="http://schemas.microsoft.com/office/powerpoint/2010/main" val="1217870741"/>
       </p:ext>
     </p:extLst>
   </p:cSld>
@@ -5415,7 +6848,37 @@
       </a:bgFillStyleLst>
     </a:fmtScheme>
   </a:themeElements>
-  <a:objectDefaults/>
+  <a:objectDefaults>
+    <a:spDef>
+      <a:spPr/>
+      <a:bodyPr rtlCol="0" anchor="ctr"/>
+      <a:lstStyle>
+        <a:defPPr algn="ctr">
+          <a:defRPr>
+            <a:solidFill>
+              <a:schemeClr val="tx1"/>
+            </a:solidFill>
+          </a:defRPr>
+        </a:defPPr>
+      </a:lstStyle>
+      <a:style>
+        <a:lnRef idx="2">
+          <a:schemeClr val="accent1">
+            <a:shade val="50000"/>
+          </a:schemeClr>
+        </a:lnRef>
+        <a:fillRef idx="1">
+          <a:schemeClr val="accent1"/>
+        </a:fillRef>
+        <a:effectRef idx="0">
+          <a:schemeClr val="accent1"/>
+        </a:effectRef>
+        <a:fontRef idx="minor">
+          <a:schemeClr val="lt1"/>
+        </a:fontRef>
+      </a:style>
+    </a:spDef>
+  </a:objectDefaults>
   <a:extraClrSchemeLst/>
   <a:extLst>
     <a:ext uri="{05A4C25C-085E-4340-85A3-A5531E510DB2}">
@@ -5423,4 +6886,574 @@
     </a:ext>
   </a:extLst>
 </a:theme>
+</file>
+
+<file path=ppt/theme/theme2.xml><?xml version="1.0" encoding="utf-8"?>
+<a:theme xmlns:a="http://schemas.openxmlformats.org/drawingml/2006/main" name="Тема Office">
+  <a:themeElements>
+    <a:clrScheme name="Стандартная">
+      <a:dk1>
+        <a:sysClr val="windowText" lastClr="000000"/>
+      </a:dk1>
+      <a:lt1>
+        <a:sysClr val="window" lastClr="FFFFFF"/>
+      </a:lt1>
+      <a:dk2>
+        <a:srgbClr val="1F497D"/>
+      </a:dk2>
+      <a:lt2>
+        <a:srgbClr val="EEECE1"/>
+      </a:lt2>
+      <a:accent1>
+        <a:srgbClr val="4F81BD"/>
+      </a:accent1>
+      <a:accent2>
+        <a:srgbClr val="C0504D"/>
+      </a:accent2>
+      <a:accent3>
+        <a:srgbClr val="9BBB59"/>
+      </a:accent3>
+      <a:accent4>
+        <a:srgbClr val="8064A2"/>
+      </a:accent4>
+      <a:accent5>
+        <a:srgbClr val="4BACC6"/>
+      </a:accent5>
+      <a:accent6>
+        <a:srgbClr val="F79646"/>
+      </a:accent6>
+      <a:hlink>
+        <a:srgbClr val="0000FF"/>
+      </a:hlink>
+      <a:folHlink>
+        <a:srgbClr val="800080"/>
+      </a:folHlink>
+    </a:clrScheme>
+    <a:fontScheme name="Стандартная">
+      <a:majorFont>
+        <a:latin typeface="Calibri"/>
+        <a:ea typeface=""/>
+        <a:cs typeface=""/>
+        <a:font script="Jpan" typeface="ＭＳ Ｐゴシック"/>
+        <a:font script="Hang" typeface="맑은 고딕"/>
+        <a:font script="Hans" typeface="宋体"/>
+        <a:font script="Hant" typeface="新細明體"/>
+        <a:font script="Arab" typeface="Times New Roman"/>
+        <a:font script="Hebr" typeface="Times New Roman"/>
+        <a:font script="Thai" typeface="Angsana New"/>
+        <a:font script="Ethi" typeface="Nyala"/>
+        <a:font script="Beng" typeface="Vrinda"/>
+        <a:font script="Gujr" typeface="Shruti"/>
+        <a:font script="Khmr" typeface="MoolBoran"/>
+        <a:font script="Knda" typeface="Tunga"/>
+        <a:font script="Guru" typeface="Raavi"/>
+        <a:font script="Cans" typeface="Euphemia"/>
+        <a:font script="Cher" typeface="Plantagenet Cherokee"/>
+        <a:font script="Yiii" typeface="Microsoft Yi Baiti"/>
+        <a:font script="Tibt" typeface="Microsoft Himalaya"/>
+        <a:font script="Thaa" typeface="MV Boli"/>
+        <a:font script="Deva" typeface="Mangal"/>
+        <a:font script="Telu" typeface="Gautami"/>
+        <a:font script="Taml" typeface="Latha"/>
+        <a:font script="Syrc" typeface="Estrangelo Edessa"/>
+        <a:font script="Orya" typeface="Kalinga"/>
+        <a:font script="Mlym" typeface="Kartika"/>
+        <a:font script="Laoo" typeface="DokChampa"/>
+        <a:font script="Sinh" typeface="Iskoola Pota"/>
+        <a:font script="Mong" typeface="Mongolian Baiti"/>
+        <a:font script="Viet" typeface="Times New Roman"/>
+        <a:font script="Uigh" typeface="Microsoft Uighur"/>
+        <a:font script="Geor" typeface="Sylfaen"/>
+      </a:majorFont>
+      <a:minorFont>
+        <a:latin typeface="Calibri"/>
+        <a:ea typeface=""/>
+        <a:cs typeface=""/>
+        <a:font script="Jpan" typeface="ＭＳ Ｐゴシック"/>
+        <a:font script="Hang" typeface="맑은 고딕"/>
+        <a:font script="Hans" typeface="宋体"/>
+        <a:font script="Hant" typeface="新細明體"/>
+        <a:font script="Arab" typeface="Arial"/>
+        <a:font script="Hebr" typeface="Arial"/>
+        <a:font script="Thai" typeface="Cordia New"/>
+        <a:font script="Ethi" typeface="Nyala"/>
+        <a:font script="Beng" typeface="Vrinda"/>
+        <a:font script="Gujr" typeface="Shruti"/>
+        <a:font script="Khmr" typeface="DaunPenh"/>
+        <a:font script="Knda" typeface="Tunga"/>
+        <a:font script="Guru" typeface="Raavi"/>
+        <a:font script="Cans" typeface="Euphemia"/>
+        <a:font script="Cher" typeface="Plantagenet Cherokee"/>
+        <a:font script="Yiii" typeface="Microsoft Yi Baiti"/>
+        <a:font script="Tibt" typeface="Microsoft Himalaya"/>
+        <a:font script="Thaa" typeface="MV Boli"/>
+        <a:font script="Deva" typeface="Mangal"/>
+        <a:font script="Telu" typeface="Gautami"/>
+        <a:font script="Taml" typeface="Latha"/>
+        <a:font script="Syrc" typeface="Estrangelo Edessa"/>
+        <a:font script="Orya" typeface="Kalinga"/>
+        <a:font script="Mlym" typeface="Kartika"/>
+        <a:font script="Laoo" typeface="DokChampa"/>
+        <a:font script="Sinh" typeface="Iskoola Pota"/>
+        <a:font script="Mong" typeface="Mongolian Baiti"/>
+        <a:font script="Viet" typeface="Arial"/>
+        <a:font script="Uigh" typeface="Microsoft Uighur"/>
+        <a:font script="Geor" typeface="Sylfaen"/>
+      </a:minorFont>
+    </a:fontScheme>
+    <a:fmtScheme name="Стандартная">
+      <a:fillStyleLst>
+        <a:solidFill>
+          <a:schemeClr val="phClr"/>
+        </a:solidFill>
+        <a:gradFill rotWithShape="1">
+          <a:gsLst>
+            <a:gs pos="0">
+              <a:schemeClr val="phClr">
+                <a:tint val="50000"/>
+                <a:satMod val="300000"/>
+              </a:schemeClr>
+            </a:gs>
+            <a:gs pos="35000">
+              <a:schemeClr val="phClr">
+                <a:tint val="37000"/>
+                <a:satMod val="300000"/>
+              </a:schemeClr>
+            </a:gs>
+            <a:gs pos="100000">
+              <a:schemeClr val="phClr">
+                <a:tint val="15000"/>
+                <a:satMod val="350000"/>
+              </a:schemeClr>
+            </a:gs>
+          </a:gsLst>
+          <a:lin ang="16200000" scaled="1"/>
+        </a:gradFill>
+        <a:gradFill rotWithShape="1">
+          <a:gsLst>
+            <a:gs pos="0">
+              <a:schemeClr val="phClr">
+                <a:shade val="51000"/>
+                <a:satMod val="130000"/>
+              </a:schemeClr>
+            </a:gs>
+            <a:gs pos="80000">
+              <a:schemeClr val="phClr">
+                <a:shade val="93000"/>
+                <a:satMod val="130000"/>
+              </a:schemeClr>
+            </a:gs>
+            <a:gs pos="100000">
+              <a:schemeClr val="phClr">
+                <a:shade val="94000"/>
+                <a:satMod val="135000"/>
+              </a:schemeClr>
+            </a:gs>
+          </a:gsLst>
+          <a:lin ang="16200000" scaled="0"/>
+        </a:gradFill>
+      </a:fillStyleLst>
+      <a:lnStyleLst>
+        <a:ln w="9525" cap="flat" cmpd="sng" algn="ctr">
+          <a:solidFill>
+            <a:schemeClr val="phClr">
+              <a:shade val="95000"/>
+              <a:satMod val="105000"/>
+            </a:schemeClr>
+          </a:solidFill>
+          <a:prstDash val="solid"/>
+        </a:ln>
+        <a:ln w="25400" cap="flat" cmpd="sng" algn="ctr">
+          <a:solidFill>
+            <a:schemeClr val="phClr"/>
+          </a:solidFill>
+          <a:prstDash val="solid"/>
+        </a:ln>
+        <a:ln w="38100" cap="flat" cmpd="sng" algn="ctr">
+          <a:solidFill>
+            <a:schemeClr val="phClr"/>
+          </a:solidFill>
+          <a:prstDash val="solid"/>
+        </a:ln>
+      </a:lnStyleLst>
+      <a:effectStyleLst>
+        <a:effectStyle>
+          <a:effectLst>
+            <a:outerShdw blurRad="40000" dist="20000" dir="5400000" rotWithShape="0">
+              <a:srgbClr val="000000">
+                <a:alpha val="38000"/>
+              </a:srgbClr>
+            </a:outerShdw>
+          </a:effectLst>
+        </a:effectStyle>
+        <a:effectStyle>
+          <a:effectLst>
+            <a:outerShdw blurRad="40000" dist="23000" dir="5400000" rotWithShape="0">
+              <a:srgbClr val="000000">
+                <a:alpha val="35000"/>
+              </a:srgbClr>
+            </a:outerShdw>
+          </a:effectLst>
+        </a:effectStyle>
+        <a:effectStyle>
+          <a:effectLst>
+            <a:outerShdw blurRad="40000" dist="23000" dir="5400000" rotWithShape="0">
+              <a:srgbClr val="000000">
+                <a:alpha val="35000"/>
+              </a:srgbClr>
+            </a:outerShdw>
+          </a:effectLst>
+          <a:scene3d>
+            <a:camera prst="orthographicFront">
+              <a:rot lat="0" lon="0" rev="0"/>
+            </a:camera>
+            <a:lightRig rig="threePt" dir="t">
+              <a:rot lat="0" lon="0" rev="1200000"/>
+            </a:lightRig>
+          </a:scene3d>
+          <a:sp3d>
+            <a:bevelT w="63500" h="25400"/>
+          </a:sp3d>
+        </a:effectStyle>
+      </a:effectStyleLst>
+      <a:bgFillStyleLst>
+        <a:solidFill>
+          <a:schemeClr val="phClr"/>
+        </a:solidFill>
+        <a:gradFill rotWithShape="1">
+          <a:gsLst>
+            <a:gs pos="0">
+              <a:schemeClr val="phClr">
+                <a:tint val="40000"/>
+                <a:satMod val="350000"/>
+              </a:schemeClr>
+            </a:gs>
+            <a:gs pos="40000">
+              <a:schemeClr val="phClr">
+                <a:tint val="45000"/>
+                <a:shade val="99000"/>
+                <a:satMod val="350000"/>
+              </a:schemeClr>
+            </a:gs>
+            <a:gs pos="100000">
+              <a:schemeClr val="phClr">
+                <a:shade val="20000"/>
+                <a:satMod val="255000"/>
+              </a:schemeClr>
+            </a:gs>
+          </a:gsLst>
+          <a:path path="circle">
+            <a:fillToRect l="50000" t="-80000" r="50000" b="180000"/>
+          </a:path>
+        </a:gradFill>
+        <a:gradFill rotWithShape="1">
+          <a:gsLst>
+            <a:gs pos="0">
+              <a:schemeClr val="phClr">
+                <a:tint val="80000"/>
+                <a:satMod val="300000"/>
+              </a:schemeClr>
+            </a:gs>
+            <a:gs pos="100000">
+              <a:schemeClr val="phClr">
+                <a:shade val="30000"/>
+                <a:satMod val="200000"/>
+              </a:schemeClr>
+            </a:gs>
+          </a:gsLst>
+          <a:path path="circle">
+            <a:fillToRect l="50000" t="50000" r="50000" b="50000"/>
+          </a:path>
+        </a:gradFill>
+      </a:bgFillStyleLst>
+    </a:fmtScheme>
+  </a:themeElements>
+  <a:objectDefaults/>
+  <a:extraClrSchemeLst/>
+</a:theme>
+</file>
+
+<file path=ppt/theme/theme3.xml><?xml version="1.0" encoding="utf-8"?>
+<a:theme xmlns:a="http://schemas.openxmlformats.org/drawingml/2006/main" name="Тема Office">
+  <a:themeElements>
+    <a:clrScheme name="Стандартная">
+      <a:dk1>
+        <a:sysClr val="windowText" lastClr="000000"/>
+      </a:dk1>
+      <a:lt1>
+        <a:sysClr val="window" lastClr="FFFFFF"/>
+      </a:lt1>
+      <a:dk2>
+        <a:srgbClr val="1F497D"/>
+      </a:dk2>
+      <a:lt2>
+        <a:srgbClr val="EEECE1"/>
+      </a:lt2>
+      <a:accent1>
+        <a:srgbClr val="4F81BD"/>
+      </a:accent1>
+      <a:accent2>
+        <a:srgbClr val="C0504D"/>
+      </a:accent2>
+      <a:accent3>
+        <a:srgbClr val="9BBB59"/>
+      </a:accent3>
+      <a:accent4>
+        <a:srgbClr val="8064A2"/>
+      </a:accent4>
+      <a:accent5>
+        <a:srgbClr val="4BACC6"/>
+      </a:accent5>
+      <a:accent6>
+        <a:srgbClr val="F79646"/>
+      </a:accent6>
+      <a:hlink>
+        <a:srgbClr val="0000FF"/>
+      </a:hlink>
+      <a:folHlink>
+        <a:srgbClr val="800080"/>
+      </a:folHlink>
+    </a:clrScheme>
+    <a:fontScheme name="Стандартная">
+      <a:majorFont>
+        <a:latin typeface="Calibri"/>
+        <a:ea typeface=""/>
+        <a:cs typeface=""/>
+        <a:font script="Jpan" typeface="ＭＳ Ｐゴシック"/>
+        <a:font script="Hang" typeface="맑은 고딕"/>
+        <a:font script="Hans" typeface="宋体"/>
+        <a:font script="Hant" typeface="新細明體"/>
+        <a:font script="Arab" typeface="Times New Roman"/>
+        <a:font script="Hebr" typeface="Times New Roman"/>
+        <a:font script="Thai" typeface="Angsana New"/>
+        <a:font script="Ethi" typeface="Nyala"/>
+        <a:font script="Beng" typeface="Vrinda"/>
+        <a:font script="Gujr" typeface="Shruti"/>
+        <a:font script="Khmr" typeface="MoolBoran"/>
+        <a:font script="Knda" typeface="Tunga"/>
+        <a:font script="Guru" typeface="Raavi"/>
+        <a:font script="Cans" typeface="Euphemia"/>
+        <a:font script="Cher" typeface="Plantagenet Cherokee"/>
+        <a:font script="Yiii" typeface="Microsoft Yi Baiti"/>
+        <a:font script="Tibt" typeface="Microsoft Himalaya"/>
+        <a:font script="Thaa" typeface="MV Boli"/>
+        <a:font script="Deva" typeface="Mangal"/>
+        <a:font script="Telu" typeface="Gautami"/>
+        <a:font script="Taml" typeface="Latha"/>
+        <a:font script="Syrc" typeface="Estrangelo Edessa"/>
+        <a:font script="Orya" typeface="Kalinga"/>
+        <a:font script="Mlym" typeface="Kartika"/>
+        <a:font script="Laoo" typeface="DokChampa"/>
+        <a:font script="Sinh" typeface="Iskoola Pota"/>
+        <a:font script="Mong" typeface="Mongolian Baiti"/>
+        <a:font script="Viet" typeface="Times New Roman"/>
+        <a:font script="Uigh" typeface="Microsoft Uighur"/>
+        <a:font script="Geor" typeface="Sylfaen"/>
+      </a:majorFont>
+      <a:minorFont>
+        <a:latin typeface="Calibri"/>
+        <a:ea typeface=""/>
+        <a:cs typeface=""/>
+        <a:font script="Jpan" typeface="ＭＳ Ｐゴシック"/>
+        <a:font script="Hang" typeface="맑은 고딕"/>
+        <a:font script="Hans" typeface="宋体"/>
+        <a:font script="Hant" typeface="新細明體"/>
+        <a:font script="Arab" typeface="Arial"/>
+        <a:font script="Hebr" typeface="Arial"/>
+        <a:font script="Thai" typeface="Cordia New"/>
+        <a:font script="Ethi" typeface="Nyala"/>
+        <a:font script="Beng" typeface="Vrinda"/>
+        <a:font script="Gujr" typeface="Shruti"/>
+        <a:font script="Khmr" typeface="DaunPenh"/>
+        <a:font script="Knda" typeface="Tunga"/>
+        <a:font script="Guru" typeface="Raavi"/>
+        <a:font script="Cans" typeface="Euphemia"/>
+        <a:font script="Cher" typeface="Plantagenet Cherokee"/>
+        <a:font script="Yiii" typeface="Microsoft Yi Baiti"/>
+        <a:font script="Tibt" typeface="Microsoft Himalaya"/>
+        <a:font script="Thaa" typeface="MV Boli"/>
+        <a:font script="Deva" typeface="Mangal"/>
+        <a:font script="Telu" typeface="Gautami"/>
+        <a:font script="Taml" typeface="Latha"/>
+        <a:font script="Syrc" typeface="Estrangelo Edessa"/>
+        <a:font script="Orya" typeface="Kalinga"/>
+        <a:font script="Mlym" typeface="Kartika"/>
+        <a:font script="Laoo" typeface="DokChampa"/>
+        <a:font script="Sinh" typeface="Iskoola Pota"/>
+        <a:font script="Mong" typeface="Mongolian Baiti"/>
+        <a:font script="Viet" typeface="Arial"/>
+        <a:font script="Uigh" typeface="Microsoft Uighur"/>
+        <a:font script="Geor" typeface="Sylfaen"/>
+      </a:minorFont>
+    </a:fontScheme>
+    <a:fmtScheme name="Стандартная">
+      <a:fillStyleLst>
+        <a:solidFill>
+          <a:schemeClr val="phClr"/>
+        </a:solidFill>
+        <a:gradFill rotWithShape="1">
+          <a:gsLst>
+            <a:gs pos="0">
+              <a:schemeClr val="phClr">
+                <a:tint val="50000"/>
+                <a:satMod val="300000"/>
+              </a:schemeClr>
+            </a:gs>
+            <a:gs pos="35000">
+              <a:schemeClr val="phClr">
+                <a:tint val="37000"/>
+                <a:satMod val="300000"/>
+              </a:schemeClr>
+            </a:gs>
+            <a:gs pos="100000">
+              <a:schemeClr val="phClr">
+                <a:tint val="15000"/>
+                <a:satMod val="350000"/>
+              </a:schemeClr>
+            </a:gs>
+          </a:gsLst>
+          <a:lin ang="16200000" scaled="1"/>
+        </a:gradFill>
+        <a:gradFill rotWithShape="1">
+          <a:gsLst>
+            <a:gs pos="0">
+              <a:schemeClr val="phClr">
+                <a:shade val="51000"/>
+                <a:satMod val="130000"/>
+              </a:schemeClr>
+            </a:gs>
+            <a:gs pos="80000">
+              <a:schemeClr val="phClr">
+                <a:shade val="93000"/>
+                <a:satMod val="130000"/>
+              </a:schemeClr>
+            </a:gs>
+            <a:gs pos="100000">
+              <a:schemeClr val="phClr">
+                <a:shade val="94000"/>
+                <a:satMod val="135000"/>
+              </a:schemeClr>
+            </a:gs>
+          </a:gsLst>
+          <a:lin ang="16200000" scaled="0"/>
+        </a:gradFill>
+      </a:fillStyleLst>
+      <a:lnStyleLst>
+        <a:ln w="9525" cap="flat" cmpd="sng" algn="ctr">
+          <a:solidFill>
+            <a:schemeClr val="phClr">
+              <a:shade val="95000"/>
+              <a:satMod val="105000"/>
+            </a:schemeClr>
+          </a:solidFill>
+          <a:prstDash val="solid"/>
+        </a:ln>
+        <a:ln w="25400" cap="flat" cmpd="sng" algn="ctr">
+          <a:solidFill>
+            <a:schemeClr val="phClr"/>
+          </a:solidFill>
+          <a:prstDash val="solid"/>
+        </a:ln>
+        <a:ln w="38100" cap="flat" cmpd="sng" algn="ctr">
+          <a:solidFill>
+            <a:schemeClr val="phClr"/>
+          </a:solidFill>
+          <a:prstDash val="solid"/>
+        </a:ln>
+      </a:lnStyleLst>
+      <a:effectStyleLst>
+        <a:effectStyle>
+          <a:effectLst>
+            <a:outerShdw blurRad="40000" dist="20000" dir="5400000" rotWithShape="0">
+              <a:srgbClr val="000000">
+                <a:alpha val="38000"/>
+              </a:srgbClr>
+            </a:outerShdw>
+          </a:effectLst>
+        </a:effectStyle>
+        <a:effectStyle>
+          <a:effectLst>
+            <a:outerShdw blurRad="40000" dist="23000" dir="5400000" rotWithShape="0">
+              <a:srgbClr val="000000">
+                <a:alpha val="35000"/>
+              </a:srgbClr>
+            </a:outerShdw>
+          </a:effectLst>
+        </a:effectStyle>
+        <a:effectStyle>
+          <a:effectLst>
+            <a:outerShdw blurRad="40000" dist="23000" dir="5400000" rotWithShape="0">
+              <a:srgbClr val="000000">
+                <a:alpha val="35000"/>
+              </a:srgbClr>
+            </a:outerShdw>
+          </a:effectLst>
+          <a:scene3d>
+            <a:camera prst="orthographicFront">
+              <a:rot lat="0" lon="0" rev="0"/>
+            </a:camera>
+            <a:lightRig rig="threePt" dir="t">
+              <a:rot lat="0" lon="0" rev="1200000"/>
+            </a:lightRig>
+          </a:scene3d>
+          <a:sp3d>
+            <a:bevelT w="63500" h="25400"/>
+          </a:sp3d>
+        </a:effectStyle>
+      </a:effectStyleLst>
+      <a:bgFillStyleLst>
+        <a:solidFill>
+          <a:schemeClr val="phClr"/>
+        </a:solidFill>
+        <a:gradFill rotWithShape="1">
+          <a:gsLst>
+            <a:gs pos="0">
+              <a:schemeClr val="phClr">
+                <a:tint val="40000"/>
+                <a:satMod val="350000"/>
+              </a:schemeClr>
+            </a:gs>
+            <a:gs pos="40000">
+              <a:schemeClr val="phClr">
+                <a:tint val="45000"/>
+                <a:shade val="99000"/>
+                <a:satMod val="350000"/>
+              </a:schemeClr>
+            </a:gs>
+            <a:gs pos="100000">
+              <a:schemeClr val="phClr">
+                <a:shade val="20000"/>
+                <a:satMod val="255000"/>
+              </a:schemeClr>
+            </a:gs>
+          </a:gsLst>
+          <a:path path="circle">
+            <a:fillToRect l="50000" t="-80000" r="50000" b="180000"/>
+          </a:path>
+        </a:gradFill>
+        <a:gradFill rotWithShape="1">
+          <a:gsLst>
+            <a:gs pos="0">
+              <a:schemeClr val="phClr">
+                <a:tint val="80000"/>
+                <a:satMod val="300000"/>
+              </a:schemeClr>
+            </a:gs>
+            <a:gs pos="100000">
+              <a:schemeClr val="phClr">
+                <a:shade val="30000"/>
+                <a:satMod val="200000"/>
+              </a:schemeClr>
+            </a:gs>
+          </a:gsLst>
+          <a:path path="circle">
+            <a:fillToRect l="50000" t="50000" r="50000" b="50000"/>
+          </a:path>
+        </a:gradFill>
+      </a:bgFillStyleLst>
+    </a:fmtScheme>
+  </a:themeElements>
+  <a:objectDefaults/>
+  <a:extraClrSchemeLst/>
+</a:theme>
 </file>